--- a/9-project/1. 프로젝트 기획/주간 커-피 (초안).pptx
+++ b/9-project/1. 프로젝트 기획/주간 커-피 (초안).pptx
@@ -5,11 +5,15 @@
     <p:sldMasterId id="2147483648" r:id="rId1"/>
   </p:sldMasterIdLst>
   <p:notesMasterIdLst>
-    <p:notesMasterId r:id="rId4"/>
+    <p:notesMasterId r:id="rId8"/>
   </p:notesMasterIdLst>
   <p:sldIdLst>
     <p:sldId id="256" r:id="rId2"/>
     <p:sldId id="257" r:id="rId3"/>
+    <p:sldId id="258" r:id="rId4"/>
+    <p:sldId id="259" r:id="rId5"/>
+    <p:sldId id="260" r:id="rId6"/>
+    <p:sldId id="261" r:id="rId7"/>
   </p:sldIdLst>
   <p:sldSz cx="12192000" cy="6858000"/>
   <p:notesSz cx="6858000" cy="9144000"/>
@@ -551,6 +555,90 @@
     <p:extLst>
       <p:ext uri="{BB962C8B-B14F-4D97-AF65-F5344CB8AC3E}">
         <p14:creationId xmlns:p14="http://schemas.microsoft.com/office/powerpoint/2010/main" val="3370478113"/>
+      </p:ext>
+    </p:extLst>
+  </p:cSld>
+  <p:clrMapOvr>
+    <a:masterClrMapping/>
+  </p:clrMapOvr>
+</p:notes>
+</file>
+
+<file path=ppt/notesSlides/notesSlide2.xml><?xml version="1.0" encoding="utf-8"?>
+<p:notes xmlns:a="http://schemas.openxmlformats.org/drawingml/2006/main" xmlns:r="http://schemas.openxmlformats.org/officeDocument/2006/relationships" xmlns:p="http://schemas.openxmlformats.org/presentationml/2006/main">
+  <p:cSld>
+    <p:spTree>
+      <p:nvGrpSpPr>
+        <p:cNvPr id="1" name=""/>
+        <p:cNvGrpSpPr/>
+        <p:nvPr/>
+      </p:nvGrpSpPr>
+      <p:grpSpPr>
+        <a:xfrm>
+          <a:off x="0" y="0"/>
+          <a:ext cx="0" cy="0"/>
+          <a:chOff x="0" y="0"/>
+          <a:chExt cx="0" cy="0"/>
+        </a:xfrm>
+      </p:grpSpPr>
+      <p:sp>
+        <p:nvSpPr>
+          <p:cNvPr id="2" name="슬라이드 이미지 개체 틀 1"/>
+          <p:cNvSpPr>
+            <a:spLocks noGrp="1" noRot="1" noChangeAspect="1"/>
+          </p:cNvSpPr>
+          <p:nvPr>
+            <p:ph type="sldImg"/>
+          </p:nvPr>
+        </p:nvSpPr>
+        <p:spPr/>
+      </p:sp>
+      <p:sp>
+        <p:nvSpPr>
+          <p:cNvPr id="3" name="슬라이드 노트 개체 틀 2"/>
+          <p:cNvSpPr>
+            <a:spLocks noGrp="1"/>
+          </p:cNvSpPr>
+          <p:nvPr>
+            <p:ph type="body" idx="1"/>
+          </p:nvPr>
+        </p:nvSpPr>
+        <p:spPr/>
+        <p:txBody>
+          <a:bodyPr/>
+          <a:lstStyle/>
+          <a:p>
+            <a:endParaRPr lang="ko-KR" altLang="en-US" dirty="0"/>
+          </a:p>
+        </p:txBody>
+      </p:sp>
+      <p:sp>
+        <p:nvSpPr>
+          <p:cNvPr id="4" name="슬라이드 번호 개체 틀 3"/>
+          <p:cNvSpPr>
+            <a:spLocks noGrp="1"/>
+          </p:cNvSpPr>
+          <p:nvPr>
+            <p:ph type="sldNum" sz="quarter" idx="5"/>
+          </p:nvPr>
+        </p:nvSpPr>
+        <p:spPr/>
+        <p:txBody>
+          <a:bodyPr/>
+          <a:lstStyle/>
+          <a:p>
+            <a:fld id="{166D5872-5D90-4882-951C-B33FAEEDD25B}" type="slidenum">
+              <a:rPr lang="ko-KR" altLang="en-US" smtClean="0"/>
+              <a:t>5</a:t>
+            </a:fld>
+            <a:endParaRPr lang="ko-KR" altLang="en-US"/>
+          </a:p>
+        </p:txBody>
+      </p:sp>
+    </p:spTree>
+    <p:extLst>
+      <p:ext uri="{BB962C8B-B14F-4D97-AF65-F5344CB8AC3E}">
+        <p14:creationId xmlns:p14="http://schemas.microsoft.com/office/powerpoint/2010/main" val="2393551424"/>
       </p:ext>
     </p:extLst>
   </p:cSld>
@@ -3779,106 +3867,6 @@
       </p:grpSpPr>
       <p:sp>
         <p:nvSpPr>
-          <p:cNvPr id="2" name="제목 1">
-            <a:extLst>
-              <a:ext uri="{FF2B5EF4-FFF2-40B4-BE49-F238E27FC236}">
-                <a16:creationId xmlns:a16="http://schemas.microsoft.com/office/drawing/2014/main" id="{C914C5E0-8BF0-4ECB-9D42-2FE75051312B}"/>
-              </a:ext>
-            </a:extLst>
-          </p:cNvPr>
-          <p:cNvSpPr>
-            <a:spLocks noGrp="1"/>
-          </p:cNvSpPr>
-          <p:nvPr>
-            <p:ph type="ctrTitle"/>
-          </p:nvPr>
-        </p:nvSpPr>
-        <p:spPr>
-          <a:xfrm>
-            <a:off x="3810524" y="2886067"/>
-            <a:ext cx="4604604" cy="1109915"/>
-          </a:xfrm>
-        </p:spPr>
-        <p:txBody>
-          <a:bodyPr>
-            <a:normAutofit fontScale="90000"/>
-          </a:bodyPr>
-          <a:lstStyle/>
-          <a:p>
-            <a:r>
-              <a:rPr lang="ko-KR" altLang="en-US" sz="8000" dirty="0">
-                <a:solidFill>
-                  <a:srgbClr val="403726"/>
-                </a:solidFill>
-                <a:latin typeface="양진체 " panose="02020503000000000000" pitchFamily="18" charset="-127"/>
-                <a:ea typeface="양진체 " panose="02020503000000000000" pitchFamily="18" charset="-127"/>
-              </a:rPr>
-              <a:t>주간 커</a:t>
-            </a:r>
-            <a:r>
-              <a:rPr lang="en-US" altLang="ko-KR" sz="8000" dirty="0">
-                <a:solidFill>
-                  <a:srgbClr val="403726"/>
-                </a:solidFill>
-                <a:latin typeface="양진체 " panose="02020503000000000000" pitchFamily="18" charset="-127"/>
-                <a:ea typeface="양진체 " panose="02020503000000000000" pitchFamily="18" charset="-127"/>
-              </a:rPr>
-              <a:t>-</a:t>
-            </a:r>
-            <a:r>
-              <a:rPr lang="ko-KR" altLang="en-US" sz="8000" dirty="0">
-                <a:solidFill>
-                  <a:srgbClr val="403726"/>
-                </a:solidFill>
-                <a:latin typeface="양진체 " panose="02020503000000000000" pitchFamily="18" charset="-127"/>
-                <a:ea typeface="양진체 " panose="02020503000000000000" pitchFamily="18" charset="-127"/>
-              </a:rPr>
-              <a:t>피</a:t>
-            </a:r>
-          </a:p>
-        </p:txBody>
-      </p:sp>
-      <p:pic>
-        <p:nvPicPr>
-          <p:cNvPr id="11" name="그래픽 10" descr="커피 콩 단색으로 채워진">
-            <a:extLst>
-              <a:ext uri="{FF2B5EF4-FFF2-40B4-BE49-F238E27FC236}">
-                <a16:creationId xmlns:a16="http://schemas.microsoft.com/office/drawing/2014/main" id="{E10217F7-3631-4D1D-AD10-D07FE80C6BCD}"/>
-              </a:ext>
-            </a:extLst>
-          </p:cNvPr>
-          <p:cNvPicPr>
-            <a:picLocks noChangeAspect="1"/>
-          </p:cNvPicPr>
-          <p:nvPr/>
-        </p:nvPicPr>
-        <p:blipFill>
-          <a:blip r:embed="rId3">
-            <a:extLst>
-              <a:ext uri="{28A0092B-C50C-407E-A947-70E740481C1C}">
-                <a14:useLocalDpi xmlns:a14="http://schemas.microsoft.com/office/drawing/2010/main" val="0"/>
-              </a:ext>
-              <a:ext uri="{96DAC541-7B7A-43D3-8B79-37D633B846F1}">
-                <asvg:svgBlip xmlns:asvg="http://schemas.microsoft.com/office/drawing/2016/SVG/main" r:embed="rId4"/>
-              </a:ext>
-            </a:extLst>
-          </a:blip>
-          <a:stretch>
-            <a:fillRect/>
-          </a:stretch>
-        </p:blipFill>
-        <p:spPr>
-          <a:xfrm>
-            <a:off x="5831846" y="1788159"/>
-            <a:ext cx="493717" cy="493717"/>
-          </a:xfrm>
-          <a:prstGeom prst="rect">
-            <a:avLst/>
-          </a:prstGeom>
-        </p:spPr>
-      </p:pic>
-      <p:sp>
-        <p:nvSpPr>
           <p:cNvPr id="47" name="배지 46">
             <a:extLst>
               <a:ext uri="{FF2B5EF4-FFF2-40B4-BE49-F238E27FC236}">
@@ -3897,7 +3885,11 @@
           <a:prstGeom prst="plaque">
             <a:avLst/>
           </a:prstGeom>
-          <a:noFill/>
+          <a:solidFill>
+            <a:schemeClr val="bg1">
+              <a:lumMod val="75000"/>
+            </a:schemeClr>
+          </a:solidFill>
           <a:ln w="136525" cmpd="thickThin">
             <a:solidFill>
               <a:srgbClr val="403726"/>
@@ -3931,6 +3923,106 @@
           </a:p>
         </p:txBody>
       </p:sp>
+      <p:sp>
+        <p:nvSpPr>
+          <p:cNvPr id="2" name="제목 1">
+            <a:extLst>
+              <a:ext uri="{FF2B5EF4-FFF2-40B4-BE49-F238E27FC236}">
+                <a16:creationId xmlns:a16="http://schemas.microsoft.com/office/drawing/2014/main" id="{C914C5E0-8BF0-4ECB-9D42-2FE75051312B}"/>
+              </a:ext>
+            </a:extLst>
+          </p:cNvPr>
+          <p:cNvSpPr>
+            <a:spLocks noGrp="1"/>
+          </p:cNvSpPr>
+          <p:nvPr>
+            <p:ph type="ctrTitle"/>
+          </p:nvPr>
+        </p:nvSpPr>
+        <p:spPr>
+          <a:xfrm>
+            <a:off x="3810524" y="2886067"/>
+            <a:ext cx="4604604" cy="1109915"/>
+          </a:xfrm>
+        </p:spPr>
+        <p:txBody>
+          <a:bodyPr>
+            <a:normAutofit fontScale="90000"/>
+          </a:bodyPr>
+          <a:lstStyle/>
+          <a:p>
+            <a:r>
+              <a:rPr lang="ko-KR" altLang="en-US" sz="8000" dirty="0">
+                <a:solidFill>
+                  <a:srgbClr val="403726"/>
+                </a:solidFill>
+                <a:latin typeface="양진체 " panose="02020503000000000000" pitchFamily="18" charset="-127"/>
+                <a:ea typeface="양진체 " panose="02020503000000000000" pitchFamily="18" charset="-127"/>
+              </a:rPr>
+              <a:t>주간 커</a:t>
+            </a:r>
+            <a:r>
+              <a:rPr lang="en-US" altLang="ko-KR" sz="8000" dirty="0">
+                <a:solidFill>
+                  <a:srgbClr val="403726"/>
+                </a:solidFill>
+                <a:latin typeface="양진체 " panose="02020503000000000000" pitchFamily="18" charset="-127"/>
+                <a:ea typeface="양진체 " panose="02020503000000000000" pitchFamily="18" charset="-127"/>
+              </a:rPr>
+              <a:t>-</a:t>
+            </a:r>
+            <a:r>
+              <a:rPr lang="ko-KR" altLang="en-US" sz="8000" dirty="0">
+                <a:solidFill>
+                  <a:srgbClr val="403726"/>
+                </a:solidFill>
+                <a:latin typeface="양진체 " panose="02020503000000000000" pitchFamily="18" charset="-127"/>
+                <a:ea typeface="양진체 " panose="02020503000000000000" pitchFamily="18" charset="-127"/>
+              </a:rPr>
+              <a:t>피</a:t>
+            </a:r>
+          </a:p>
+        </p:txBody>
+      </p:sp>
+      <p:pic>
+        <p:nvPicPr>
+          <p:cNvPr id="11" name="그래픽 10" descr="커피 콩 단색으로 채워진">
+            <a:extLst>
+              <a:ext uri="{FF2B5EF4-FFF2-40B4-BE49-F238E27FC236}">
+                <a16:creationId xmlns:a16="http://schemas.microsoft.com/office/drawing/2014/main" id="{E10217F7-3631-4D1D-AD10-D07FE80C6BCD}"/>
+              </a:ext>
+            </a:extLst>
+          </p:cNvPr>
+          <p:cNvPicPr>
+            <a:picLocks noChangeAspect="1"/>
+          </p:cNvPicPr>
+          <p:nvPr/>
+        </p:nvPicPr>
+        <p:blipFill>
+          <a:blip r:embed="rId3">
+            <a:extLst>
+              <a:ext uri="{28A0092B-C50C-407E-A947-70E740481C1C}">
+                <a14:useLocalDpi xmlns:a14="http://schemas.microsoft.com/office/drawing/2010/main" val="0"/>
+              </a:ext>
+              <a:ext uri="{96DAC541-7B7A-43D3-8B79-37D633B846F1}">
+                <asvg:svgBlip xmlns:asvg="http://schemas.microsoft.com/office/drawing/2016/SVG/main" r:embed="rId4"/>
+              </a:ext>
+            </a:extLst>
+          </a:blip>
+          <a:stretch>
+            <a:fillRect/>
+          </a:stretch>
+        </p:blipFill>
+        <p:spPr>
+          <a:xfrm>
+            <a:off x="5831846" y="1788159"/>
+            <a:ext cx="493717" cy="493717"/>
+          </a:xfrm>
+          <a:prstGeom prst="rect">
+            <a:avLst/>
+          </a:prstGeom>
+        </p:spPr>
+      </p:pic>
       <p:grpSp>
         <p:nvGrpSpPr>
           <p:cNvPr id="54" name="그룹 53">
@@ -7981,7 +8073,7 @@
           <a:lstStyle/>
           <a:p>
             <a:r>
-              <a:rPr lang="ko-KR" altLang="en-US">
+              <a:rPr lang="ko-KR" altLang="en-US" dirty="0" err="1">
                 <a:latin typeface="양진체 " panose="02020503000000000000" pitchFamily="18" charset="-127"/>
                 <a:ea typeface="양진체 " panose="02020503000000000000" pitchFamily="18" charset="-127"/>
               </a:rPr>
@@ -8033,6 +8125,3263 @@
     <p:extLst>
       <p:ext uri="{BB962C8B-B14F-4D97-AF65-F5344CB8AC3E}">
         <p14:creationId xmlns:p14="http://schemas.microsoft.com/office/powerpoint/2010/main" val="1045726509"/>
+      </p:ext>
+    </p:extLst>
+  </p:cSld>
+  <p:clrMapOvr>
+    <a:masterClrMapping/>
+  </p:clrMapOvr>
+</p:sld>
+</file>
+
+<file path=ppt/slides/slide3.xml><?xml version="1.0" encoding="utf-8"?>
+<p:sld xmlns:a="http://schemas.openxmlformats.org/drawingml/2006/main" xmlns:r="http://schemas.openxmlformats.org/officeDocument/2006/relationships" xmlns:p="http://schemas.openxmlformats.org/presentationml/2006/main">
+  <p:cSld>
+    <p:spTree>
+      <p:nvGrpSpPr>
+        <p:cNvPr id="1" name=""/>
+        <p:cNvGrpSpPr/>
+        <p:nvPr/>
+      </p:nvGrpSpPr>
+      <p:grpSpPr>
+        <a:xfrm>
+          <a:off x="0" y="0"/>
+          <a:ext cx="0" cy="0"/>
+          <a:chOff x="0" y="0"/>
+          <a:chExt cx="0" cy="0"/>
+        </a:xfrm>
+      </p:grpSpPr>
+      <p:sp>
+        <p:nvSpPr>
+          <p:cNvPr id="2" name="제목 1">
+            <a:extLst>
+              <a:ext uri="{FF2B5EF4-FFF2-40B4-BE49-F238E27FC236}">
+                <a16:creationId xmlns:a16="http://schemas.microsoft.com/office/drawing/2014/main" id="{402F02F3-EC6F-489E-A90E-E2DB9758E0E5}"/>
+              </a:ext>
+            </a:extLst>
+          </p:cNvPr>
+          <p:cNvSpPr>
+            <a:spLocks noGrp="1"/>
+          </p:cNvSpPr>
+          <p:nvPr>
+            <p:ph type="title"/>
+          </p:nvPr>
+        </p:nvSpPr>
+        <p:spPr/>
+        <p:txBody>
+          <a:bodyPr/>
+          <a:lstStyle/>
+          <a:p>
+            <a:r>
+              <a:rPr lang="ko-KR" altLang="en-US" dirty="0">
+                <a:latin typeface="양진체 " panose="02020503000000000000" pitchFamily="18" charset="-127"/>
+                <a:ea typeface="양진체 " panose="02020503000000000000" pitchFamily="18" charset="-127"/>
+              </a:rPr>
+              <a:t>사례분석</a:t>
+            </a:r>
+          </a:p>
+        </p:txBody>
+      </p:sp>
+      <p:sp>
+        <p:nvSpPr>
+          <p:cNvPr id="3" name="내용 개체 틀 2">
+            <a:extLst>
+              <a:ext uri="{FF2B5EF4-FFF2-40B4-BE49-F238E27FC236}">
+                <a16:creationId xmlns:a16="http://schemas.microsoft.com/office/drawing/2014/main" id="{0BC67C76-B716-4B23-97E1-9C1793D8BEE4}"/>
+              </a:ext>
+            </a:extLst>
+          </p:cNvPr>
+          <p:cNvSpPr>
+            <a:spLocks noGrp="1"/>
+          </p:cNvSpPr>
+          <p:nvPr>
+            <p:ph idx="1"/>
+          </p:nvPr>
+        </p:nvSpPr>
+        <p:spPr/>
+        <p:txBody>
+          <a:bodyPr/>
+          <a:lstStyle/>
+          <a:p>
+            <a:r>
+              <a:rPr lang="ko-KR" altLang="en-US" dirty="0" err="1">
+                <a:latin typeface="양진체 " panose="02020503000000000000" pitchFamily="18" charset="-127"/>
+                <a:ea typeface="양진체 " panose="02020503000000000000" pitchFamily="18" charset="-127"/>
+              </a:rPr>
+              <a:t>ㄴㅇㄹㄴㅇㄹ</a:t>
+            </a:r>
+            <a:endParaRPr lang="ko-KR" altLang="en-US" dirty="0">
+              <a:latin typeface="양진체 " panose="02020503000000000000" pitchFamily="18" charset="-127"/>
+              <a:ea typeface="양진체 " panose="02020503000000000000" pitchFamily="18" charset="-127"/>
+            </a:endParaRPr>
+          </a:p>
+        </p:txBody>
+      </p:sp>
+    </p:spTree>
+    <p:extLst>
+      <p:ext uri="{BB962C8B-B14F-4D97-AF65-F5344CB8AC3E}">
+        <p14:creationId xmlns:p14="http://schemas.microsoft.com/office/powerpoint/2010/main" val="3249514928"/>
+      </p:ext>
+    </p:extLst>
+  </p:cSld>
+  <p:clrMapOvr>
+    <a:masterClrMapping/>
+  </p:clrMapOvr>
+</p:sld>
+</file>
+
+<file path=ppt/slides/slide4.xml><?xml version="1.0" encoding="utf-8"?>
+<p:sld xmlns:a="http://schemas.openxmlformats.org/drawingml/2006/main" xmlns:r="http://schemas.openxmlformats.org/officeDocument/2006/relationships" xmlns:p="http://schemas.openxmlformats.org/presentationml/2006/main">
+  <p:cSld>
+    <p:spTree>
+      <p:nvGrpSpPr>
+        <p:cNvPr id="1" name=""/>
+        <p:cNvGrpSpPr/>
+        <p:nvPr/>
+      </p:nvGrpSpPr>
+      <p:grpSpPr>
+        <a:xfrm>
+          <a:off x="0" y="0"/>
+          <a:ext cx="0" cy="0"/>
+          <a:chOff x="0" y="0"/>
+          <a:chExt cx="0" cy="0"/>
+        </a:xfrm>
+      </p:grpSpPr>
+      <p:sp>
+        <p:nvSpPr>
+          <p:cNvPr id="2" name="제목 1">
+            <a:extLst>
+              <a:ext uri="{FF2B5EF4-FFF2-40B4-BE49-F238E27FC236}">
+                <a16:creationId xmlns:a16="http://schemas.microsoft.com/office/drawing/2014/main" id="{402F02F3-EC6F-489E-A90E-E2DB9758E0E5}"/>
+              </a:ext>
+            </a:extLst>
+          </p:cNvPr>
+          <p:cNvSpPr>
+            <a:spLocks noGrp="1"/>
+          </p:cNvSpPr>
+          <p:nvPr>
+            <p:ph type="title"/>
+          </p:nvPr>
+        </p:nvSpPr>
+        <p:spPr/>
+        <p:txBody>
+          <a:bodyPr/>
+          <a:lstStyle/>
+          <a:p>
+            <a:r>
+              <a:rPr lang="ko-KR" altLang="en-US">
+                <a:latin typeface="양진체 " panose="02020503000000000000" pitchFamily="18" charset="-127"/>
+                <a:ea typeface="양진체 " panose="02020503000000000000" pitchFamily="18" charset="-127"/>
+              </a:rPr>
+              <a:t>ㅇㅎㅇㄴㄹㄴㅇㄹ</a:t>
+            </a:r>
+            <a:endParaRPr lang="ko-KR" altLang="en-US" dirty="0">
+              <a:latin typeface="양진체 " panose="02020503000000000000" pitchFamily="18" charset="-127"/>
+              <a:ea typeface="양진체 " panose="02020503000000000000" pitchFamily="18" charset="-127"/>
+            </a:endParaRPr>
+          </a:p>
+        </p:txBody>
+      </p:sp>
+      <p:sp>
+        <p:nvSpPr>
+          <p:cNvPr id="3" name="내용 개체 틀 2">
+            <a:extLst>
+              <a:ext uri="{FF2B5EF4-FFF2-40B4-BE49-F238E27FC236}">
+                <a16:creationId xmlns:a16="http://schemas.microsoft.com/office/drawing/2014/main" id="{0BC67C76-B716-4B23-97E1-9C1793D8BEE4}"/>
+              </a:ext>
+            </a:extLst>
+          </p:cNvPr>
+          <p:cNvSpPr>
+            <a:spLocks noGrp="1"/>
+          </p:cNvSpPr>
+          <p:nvPr>
+            <p:ph idx="1"/>
+          </p:nvPr>
+        </p:nvSpPr>
+        <p:spPr/>
+        <p:txBody>
+          <a:bodyPr/>
+          <a:lstStyle/>
+          <a:p>
+            <a:r>
+              <a:rPr lang="ko-KR" altLang="en-US" dirty="0" err="1">
+                <a:latin typeface="양진체 " panose="02020503000000000000" pitchFamily="18" charset="-127"/>
+                <a:ea typeface="양진체 " panose="02020503000000000000" pitchFamily="18" charset="-127"/>
+              </a:rPr>
+              <a:t>ㄴㅇㄹㄴㅇㄹ</a:t>
+            </a:r>
+            <a:endParaRPr lang="ko-KR" altLang="en-US" dirty="0">
+              <a:latin typeface="양진체 " panose="02020503000000000000" pitchFamily="18" charset="-127"/>
+              <a:ea typeface="양진체 " panose="02020503000000000000" pitchFamily="18" charset="-127"/>
+            </a:endParaRPr>
+          </a:p>
+        </p:txBody>
+      </p:sp>
+    </p:spTree>
+    <p:extLst>
+      <p:ext uri="{BB962C8B-B14F-4D97-AF65-F5344CB8AC3E}">
+        <p14:creationId xmlns:p14="http://schemas.microsoft.com/office/powerpoint/2010/main" val="3944636348"/>
+      </p:ext>
+    </p:extLst>
+  </p:cSld>
+  <p:clrMapOvr>
+    <a:masterClrMapping/>
+  </p:clrMapOvr>
+</p:sld>
+</file>
+
+<file path=ppt/slides/slide5.xml><?xml version="1.0" encoding="utf-8"?>
+<p:sld xmlns:a="http://schemas.openxmlformats.org/drawingml/2006/main" xmlns:r="http://schemas.openxmlformats.org/officeDocument/2006/relationships" xmlns:p="http://schemas.openxmlformats.org/presentationml/2006/main">
+  <p:cSld>
+    <p:spTree>
+      <p:nvGrpSpPr>
+        <p:cNvPr id="1" name=""/>
+        <p:cNvGrpSpPr/>
+        <p:nvPr/>
+      </p:nvGrpSpPr>
+      <p:grpSpPr>
+        <a:xfrm>
+          <a:off x="0" y="0"/>
+          <a:ext cx="0" cy="0"/>
+          <a:chOff x="0" y="0"/>
+          <a:chExt cx="0" cy="0"/>
+        </a:xfrm>
+      </p:grpSpPr>
+      <p:sp>
+        <p:nvSpPr>
+          <p:cNvPr id="50" name="사각형: 둥근 모서리 49">
+            <a:extLst>
+              <a:ext uri="{FF2B5EF4-FFF2-40B4-BE49-F238E27FC236}">
+                <a16:creationId xmlns:a16="http://schemas.microsoft.com/office/drawing/2014/main" id="{6CA36859-B057-4E4D-BF3C-D18FFC0F3339}"/>
+              </a:ext>
+            </a:extLst>
+          </p:cNvPr>
+          <p:cNvSpPr/>
+          <p:nvPr/>
+        </p:nvSpPr>
+        <p:spPr>
+          <a:xfrm>
+            <a:off x="8414251" y="1520983"/>
+            <a:ext cx="3315460" cy="940948"/>
+          </a:xfrm>
+          <a:prstGeom prst="roundRect">
+            <a:avLst>
+              <a:gd name="adj" fmla="val 0"/>
+            </a:avLst>
+          </a:prstGeom>
+          <a:solidFill>
+            <a:schemeClr val="bg2"/>
+          </a:solidFill>
+        </p:spPr>
+        <p:style>
+          <a:lnRef idx="2">
+            <a:schemeClr val="accent1">
+              <a:shade val="50000"/>
+            </a:schemeClr>
+          </a:lnRef>
+          <a:fillRef idx="1">
+            <a:schemeClr val="accent1"/>
+          </a:fillRef>
+          <a:effectRef idx="0">
+            <a:schemeClr val="accent1"/>
+          </a:effectRef>
+          <a:fontRef idx="minor">
+            <a:schemeClr val="lt1"/>
+          </a:fontRef>
+        </p:style>
+        <p:txBody>
+          <a:bodyPr rtlCol="0" anchor="ctr"/>
+          <a:lstStyle/>
+          <a:p>
+            <a:pPr algn="ctr"/>
+            <a:endParaRPr lang="ko-KR" altLang="en-US" b="1"/>
+          </a:p>
+        </p:txBody>
+      </p:sp>
+      <p:sp>
+        <p:nvSpPr>
+          <p:cNvPr id="51" name="사각형: 둥근 모서리 50">
+            <a:extLst>
+              <a:ext uri="{FF2B5EF4-FFF2-40B4-BE49-F238E27FC236}">
+                <a16:creationId xmlns:a16="http://schemas.microsoft.com/office/drawing/2014/main" id="{2624C696-4421-45FF-87B8-3D7DFABA7EB3}"/>
+              </a:ext>
+            </a:extLst>
+          </p:cNvPr>
+          <p:cNvSpPr/>
+          <p:nvPr/>
+        </p:nvSpPr>
+        <p:spPr>
+          <a:xfrm>
+            <a:off x="8396189" y="2664705"/>
+            <a:ext cx="3315460" cy="940948"/>
+          </a:xfrm>
+          <a:prstGeom prst="roundRect">
+            <a:avLst>
+              <a:gd name="adj" fmla="val 0"/>
+            </a:avLst>
+          </a:prstGeom>
+          <a:solidFill>
+            <a:schemeClr val="bg2"/>
+          </a:solidFill>
+        </p:spPr>
+        <p:style>
+          <a:lnRef idx="2">
+            <a:schemeClr val="accent1">
+              <a:shade val="50000"/>
+            </a:schemeClr>
+          </a:lnRef>
+          <a:fillRef idx="1">
+            <a:schemeClr val="accent1"/>
+          </a:fillRef>
+          <a:effectRef idx="0">
+            <a:schemeClr val="accent1"/>
+          </a:effectRef>
+          <a:fontRef idx="minor">
+            <a:schemeClr val="lt1"/>
+          </a:fontRef>
+        </p:style>
+        <p:txBody>
+          <a:bodyPr rtlCol="0" anchor="ctr"/>
+          <a:lstStyle/>
+          <a:p>
+            <a:pPr algn="ctr"/>
+            <a:endParaRPr lang="ko-KR" altLang="en-US" b="1"/>
+          </a:p>
+        </p:txBody>
+      </p:sp>
+      <p:sp>
+        <p:nvSpPr>
+          <p:cNvPr id="52" name="사각형: 둥근 모서리 51">
+            <a:extLst>
+              <a:ext uri="{FF2B5EF4-FFF2-40B4-BE49-F238E27FC236}">
+                <a16:creationId xmlns:a16="http://schemas.microsoft.com/office/drawing/2014/main" id="{C485DF74-BDD8-4A15-8FE5-4377D4DCE120}"/>
+              </a:ext>
+            </a:extLst>
+          </p:cNvPr>
+          <p:cNvSpPr/>
+          <p:nvPr/>
+        </p:nvSpPr>
+        <p:spPr>
+          <a:xfrm>
+            <a:off x="8391618" y="3802479"/>
+            <a:ext cx="3315460" cy="2059933"/>
+          </a:xfrm>
+          <a:prstGeom prst="roundRect">
+            <a:avLst>
+              <a:gd name="adj" fmla="val 0"/>
+            </a:avLst>
+          </a:prstGeom>
+          <a:solidFill>
+            <a:schemeClr val="bg2"/>
+          </a:solidFill>
+        </p:spPr>
+        <p:style>
+          <a:lnRef idx="2">
+            <a:schemeClr val="accent1">
+              <a:shade val="50000"/>
+            </a:schemeClr>
+          </a:lnRef>
+          <a:fillRef idx="1">
+            <a:schemeClr val="accent1"/>
+          </a:fillRef>
+          <a:effectRef idx="0">
+            <a:schemeClr val="accent1"/>
+          </a:effectRef>
+          <a:fontRef idx="minor">
+            <a:schemeClr val="lt1"/>
+          </a:fontRef>
+        </p:style>
+        <p:txBody>
+          <a:bodyPr rtlCol="0" anchor="ctr"/>
+          <a:lstStyle/>
+          <a:p>
+            <a:pPr algn="ctr"/>
+            <a:endParaRPr lang="ko-KR" altLang="en-US" b="1"/>
+          </a:p>
+        </p:txBody>
+      </p:sp>
+      <p:cxnSp>
+        <p:nvCxnSpPr>
+          <p:cNvPr id="149" name="직선 화살표 연결선 148">
+            <a:extLst>
+              <a:ext uri="{FF2B5EF4-FFF2-40B4-BE49-F238E27FC236}">
+                <a16:creationId xmlns:a16="http://schemas.microsoft.com/office/drawing/2014/main" id="{98BD0498-9764-4A81-AFAD-4483310B75AE}"/>
+              </a:ext>
+            </a:extLst>
+          </p:cNvPr>
+          <p:cNvCxnSpPr>
+            <a:cxnSpLocks/>
+          </p:cNvCxnSpPr>
+          <p:nvPr/>
+        </p:nvCxnSpPr>
+        <p:spPr>
+          <a:xfrm>
+            <a:off x="10981952" y="1336645"/>
+            <a:ext cx="0" cy="2674524"/>
+          </a:xfrm>
+          <a:prstGeom prst="straightConnector1">
+            <a:avLst/>
+          </a:prstGeom>
+          <a:ln w="38100">
+            <a:tailEnd type="triangle"/>
+          </a:ln>
+        </p:spPr>
+        <p:style>
+          <a:lnRef idx="1">
+            <a:schemeClr val="accent1"/>
+          </a:lnRef>
+          <a:fillRef idx="0">
+            <a:schemeClr val="accent1"/>
+          </a:fillRef>
+          <a:effectRef idx="0">
+            <a:schemeClr val="accent1"/>
+          </a:effectRef>
+          <a:fontRef idx="minor">
+            <a:schemeClr val="tx1"/>
+          </a:fontRef>
+        </p:style>
+      </p:cxnSp>
+      <p:cxnSp>
+        <p:nvCxnSpPr>
+          <p:cNvPr id="147" name="직선 화살표 연결선 146">
+            <a:extLst>
+              <a:ext uri="{FF2B5EF4-FFF2-40B4-BE49-F238E27FC236}">
+                <a16:creationId xmlns:a16="http://schemas.microsoft.com/office/drawing/2014/main" id="{7300CC79-304C-4DD8-A687-D0C9C3C3F4E6}"/>
+              </a:ext>
+            </a:extLst>
+          </p:cNvPr>
+          <p:cNvCxnSpPr>
+            <a:cxnSpLocks/>
+          </p:cNvCxnSpPr>
+          <p:nvPr/>
+        </p:nvCxnSpPr>
+        <p:spPr>
+          <a:xfrm>
+            <a:off x="10444069" y="1336645"/>
+            <a:ext cx="0" cy="1499131"/>
+          </a:xfrm>
+          <a:prstGeom prst="straightConnector1">
+            <a:avLst/>
+          </a:prstGeom>
+          <a:ln w="38100">
+            <a:tailEnd type="triangle"/>
+          </a:ln>
+        </p:spPr>
+        <p:style>
+          <a:lnRef idx="1">
+            <a:schemeClr val="accent1"/>
+          </a:lnRef>
+          <a:fillRef idx="0">
+            <a:schemeClr val="accent1"/>
+          </a:fillRef>
+          <a:effectRef idx="0">
+            <a:schemeClr val="accent1"/>
+          </a:effectRef>
+          <a:fontRef idx="minor">
+            <a:schemeClr val="tx1"/>
+          </a:fontRef>
+        </p:style>
+      </p:cxnSp>
+      <p:sp>
+        <p:nvSpPr>
+          <p:cNvPr id="4" name="사각형: 둥근 모서리 3">
+            <a:extLst>
+              <a:ext uri="{FF2B5EF4-FFF2-40B4-BE49-F238E27FC236}">
+                <a16:creationId xmlns:a16="http://schemas.microsoft.com/office/drawing/2014/main" id="{D71A964A-2E4E-45C1-B492-105AB89AB95F}"/>
+              </a:ext>
+            </a:extLst>
+          </p:cNvPr>
+          <p:cNvSpPr/>
+          <p:nvPr/>
+        </p:nvSpPr>
+        <p:spPr>
+          <a:xfrm>
+            <a:off x="439271" y="475129"/>
+            <a:ext cx="3684494" cy="4437390"/>
+          </a:xfrm>
+          <a:prstGeom prst="roundRect">
+            <a:avLst>
+              <a:gd name="adj" fmla="val 0"/>
+            </a:avLst>
+          </a:prstGeom>
+          <a:solidFill>
+            <a:schemeClr val="bg1"/>
+          </a:solidFill>
+          <a:ln w="19050"/>
+        </p:spPr>
+        <p:style>
+          <a:lnRef idx="2">
+            <a:schemeClr val="accent1">
+              <a:shade val="50000"/>
+            </a:schemeClr>
+          </a:lnRef>
+          <a:fillRef idx="1">
+            <a:schemeClr val="accent1"/>
+          </a:fillRef>
+          <a:effectRef idx="0">
+            <a:schemeClr val="accent1"/>
+          </a:effectRef>
+          <a:fontRef idx="minor">
+            <a:schemeClr val="lt1"/>
+          </a:fontRef>
+        </p:style>
+        <p:txBody>
+          <a:bodyPr rtlCol="0" anchor="ctr"/>
+          <a:lstStyle/>
+          <a:p>
+            <a:pPr algn="ctr"/>
+            <a:endParaRPr lang="ko-KR" altLang="en-US" b="1" dirty="0"/>
+          </a:p>
+        </p:txBody>
+      </p:sp>
+      <p:sp>
+        <p:nvSpPr>
+          <p:cNvPr id="5" name="사각형: 둥근 모서리 4">
+            <a:extLst>
+              <a:ext uri="{FF2B5EF4-FFF2-40B4-BE49-F238E27FC236}">
+                <a16:creationId xmlns:a16="http://schemas.microsoft.com/office/drawing/2014/main" id="{7D227043-EAE3-4AFA-BA4A-318AF67EE661}"/>
+              </a:ext>
+            </a:extLst>
+          </p:cNvPr>
+          <p:cNvSpPr/>
+          <p:nvPr/>
+        </p:nvSpPr>
+        <p:spPr>
+          <a:xfrm>
+            <a:off x="4329953" y="475130"/>
+            <a:ext cx="3684494" cy="4437390"/>
+          </a:xfrm>
+          <a:prstGeom prst="roundRect">
+            <a:avLst>
+              <a:gd name="adj" fmla="val 0"/>
+            </a:avLst>
+          </a:prstGeom>
+          <a:solidFill>
+            <a:schemeClr val="bg1"/>
+          </a:solidFill>
+          <a:ln w="19050"/>
+        </p:spPr>
+        <p:style>
+          <a:lnRef idx="2">
+            <a:schemeClr val="accent1">
+              <a:shade val="50000"/>
+            </a:schemeClr>
+          </a:lnRef>
+          <a:fillRef idx="1">
+            <a:schemeClr val="accent1"/>
+          </a:fillRef>
+          <a:effectRef idx="0">
+            <a:schemeClr val="accent1"/>
+          </a:effectRef>
+          <a:fontRef idx="minor">
+            <a:schemeClr val="lt1"/>
+          </a:fontRef>
+        </p:style>
+        <p:txBody>
+          <a:bodyPr rtlCol="0" anchor="ctr"/>
+          <a:lstStyle/>
+          <a:p>
+            <a:pPr algn="ctr"/>
+            <a:endParaRPr lang="ko-KR" altLang="en-US" b="1"/>
+          </a:p>
+        </p:txBody>
+      </p:sp>
+      <p:sp>
+        <p:nvSpPr>
+          <p:cNvPr id="6" name="사각형: 둥근 모서리 5">
+            <a:extLst>
+              <a:ext uri="{FF2B5EF4-FFF2-40B4-BE49-F238E27FC236}">
+                <a16:creationId xmlns:a16="http://schemas.microsoft.com/office/drawing/2014/main" id="{F8E5447B-054B-45B1-A594-557253B631C9}"/>
+              </a:ext>
+            </a:extLst>
+          </p:cNvPr>
+          <p:cNvSpPr/>
+          <p:nvPr/>
+        </p:nvSpPr>
+        <p:spPr>
+          <a:xfrm>
+            <a:off x="8211673" y="475129"/>
+            <a:ext cx="3684494" cy="6241212"/>
+          </a:xfrm>
+          <a:prstGeom prst="roundRect">
+            <a:avLst>
+              <a:gd name="adj" fmla="val 0"/>
+            </a:avLst>
+          </a:prstGeom>
+          <a:noFill/>
+          <a:ln w="19050"/>
+        </p:spPr>
+        <p:style>
+          <a:lnRef idx="2">
+            <a:schemeClr val="accent1">
+              <a:shade val="50000"/>
+            </a:schemeClr>
+          </a:lnRef>
+          <a:fillRef idx="1">
+            <a:schemeClr val="accent1"/>
+          </a:fillRef>
+          <a:effectRef idx="0">
+            <a:schemeClr val="accent1"/>
+          </a:effectRef>
+          <a:fontRef idx="minor">
+            <a:schemeClr val="lt1"/>
+          </a:fontRef>
+        </p:style>
+        <p:txBody>
+          <a:bodyPr rtlCol="0" anchor="ctr"/>
+          <a:lstStyle/>
+          <a:p>
+            <a:pPr algn="ctr"/>
+            <a:endParaRPr lang="ko-KR" altLang="en-US" b="1"/>
+          </a:p>
+        </p:txBody>
+      </p:sp>
+      <p:sp>
+        <p:nvSpPr>
+          <p:cNvPr id="7" name="TextBox 6">
+            <a:extLst>
+              <a:ext uri="{FF2B5EF4-FFF2-40B4-BE49-F238E27FC236}">
+                <a16:creationId xmlns:a16="http://schemas.microsoft.com/office/drawing/2014/main" id="{F5120329-B823-4D98-BFB2-C01EAABBB675}"/>
+              </a:ext>
+            </a:extLst>
+          </p:cNvPr>
+          <p:cNvSpPr txBox="1"/>
+          <p:nvPr/>
+        </p:nvSpPr>
+        <p:spPr>
+          <a:xfrm>
+            <a:off x="1256323" y="68613"/>
+            <a:ext cx="2070888" cy="369332"/>
+          </a:xfrm>
+          <a:prstGeom prst="rect">
+            <a:avLst/>
+          </a:prstGeom>
+          <a:noFill/>
+        </p:spPr>
+        <p:txBody>
+          <a:bodyPr wrap="none" rtlCol="0">
+            <a:spAutoFit/>
+          </a:bodyPr>
+          <a:lstStyle/>
+          <a:p>
+            <a:r>
+              <a:rPr lang="en-US" altLang="ko-KR" b="1" dirty="0" err="1"/>
+              <a:t>Subscribs</a:t>
+            </a:r>
+            <a:r>
+              <a:rPr lang="en-US" altLang="ko-KR" b="1" dirty="0"/>
+              <a:t> service</a:t>
+            </a:r>
+            <a:endParaRPr lang="ko-KR" altLang="en-US" b="1" dirty="0"/>
+          </a:p>
+        </p:txBody>
+      </p:sp>
+      <p:sp>
+        <p:nvSpPr>
+          <p:cNvPr id="8" name="TextBox 7">
+            <a:extLst>
+              <a:ext uri="{FF2B5EF4-FFF2-40B4-BE49-F238E27FC236}">
+                <a16:creationId xmlns:a16="http://schemas.microsoft.com/office/drawing/2014/main" id="{2E91EE36-C5AC-4F52-945D-8ED633C092F6}"/>
+              </a:ext>
+            </a:extLst>
+          </p:cNvPr>
+          <p:cNvSpPr txBox="1"/>
+          <p:nvPr/>
+        </p:nvSpPr>
+        <p:spPr>
+          <a:xfrm>
+            <a:off x="5055585" y="82701"/>
+            <a:ext cx="2703304" cy="369332"/>
+          </a:xfrm>
+          <a:prstGeom prst="rect">
+            <a:avLst/>
+          </a:prstGeom>
+          <a:noFill/>
+        </p:spPr>
+        <p:txBody>
+          <a:bodyPr wrap="none" rtlCol="0">
+            <a:spAutoFit/>
+          </a:bodyPr>
+          <a:lstStyle/>
+          <a:p>
+            <a:r>
+              <a:rPr lang="en-US" altLang="ko-KR" b="1" dirty="0"/>
+              <a:t>JUGAN ADMIN service</a:t>
+            </a:r>
+            <a:endParaRPr lang="ko-KR" altLang="en-US" b="1" dirty="0"/>
+          </a:p>
+        </p:txBody>
+      </p:sp>
+      <p:sp>
+        <p:nvSpPr>
+          <p:cNvPr id="9" name="TextBox 8">
+            <a:extLst>
+              <a:ext uri="{FF2B5EF4-FFF2-40B4-BE49-F238E27FC236}">
+                <a16:creationId xmlns:a16="http://schemas.microsoft.com/office/drawing/2014/main" id="{916766B8-900F-467F-8029-E1205F634D08}"/>
+              </a:ext>
+            </a:extLst>
+          </p:cNvPr>
+          <p:cNvSpPr txBox="1"/>
+          <p:nvPr/>
+        </p:nvSpPr>
+        <p:spPr>
+          <a:xfrm>
+            <a:off x="9219190" y="68613"/>
+            <a:ext cx="1835182" cy="369332"/>
+          </a:xfrm>
+          <a:prstGeom prst="rect">
+            <a:avLst/>
+          </a:prstGeom>
+          <a:noFill/>
+        </p:spPr>
+        <p:txBody>
+          <a:bodyPr wrap="none" rtlCol="0">
+            <a:spAutoFit/>
+          </a:bodyPr>
+          <a:lstStyle/>
+          <a:p>
+            <a:r>
+              <a:rPr lang="en-US" altLang="ko-KR" b="1" dirty="0"/>
+              <a:t>Partner service</a:t>
+            </a:r>
+            <a:endParaRPr lang="ko-KR" altLang="en-US" b="1" dirty="0"/>
+          </a:p>
+        </p:txBody>
+      </p:sp>
+      <p:sp>
+        <p:nvSpPr>
+          <p:cNvPr id="11" name="사각형: 둥근 모서리 10">
+            <a:extLst>
+              <a:ext uri="{FF2B5EF4-FFF2-40B4-BE49-F238E27FC236}">
+                <a16:creationId xmlns:a16="http://schemas.microsoft.com/office/drawing/2014/main" id="{C8DE2EBF-EA2A-4604-BEC0-46AB1001B9C1}"/>
+              </a:ext>
+            </a:extLst>
+          </p:cNvPr>
+          <p:cNvSpPr/>
+          <p:nvPr/>
+        </p:nvSpPr>
+        <p:spPr>
+          <a:xfrm>
+            <a:off x="674536" y="807088"/>
+            <a:ext cx="3285563" cy="539397"/>
+          </a:xfrm>
+          <a:prstGeom prst="roundRect">
+            <a:avLst>
+              <a:gd name="adj" fmla="val 0"/>
+            </a:avLst>
+          </a:prstGeom>
+          <a:solidFill>
+            <a:schemeClr val="accent4">
+              <a:lumMod val="40000"/>
+              <a:lumOff val="60000"/>
+            </a:schemeClr>
+          </a:solidFill>
+        </p:spPr>
+        <p:style>
+          <a:lnRef idx="2">
+            <a:schemeClr val="accent1">
+              <a:shade val="50000"/>
+            </a:schemeClr>
+          </a:lnRef>
+          <a:fillRef idx="1">
+            <a:schemeClr val="accent1"/>
+          </a:fillRef>
+          <a:effectRef idx="0">
+            <a:schemeClr val="accent1"/>
+          </a:effectRef>
+          <a:fontRef idx="minor">
+            <a:schemeClr val="lt1"/>
+          </a:fontRef>
+        </p:style>
+        <p:txBody>
+          <a:bodyPr rtlCol="0" anchor="ctr"/>
+          <a:lstStyle/>
+          <a:p>
+            <a:pPr algn="ctr"/>
+            <a:r>
+              <a:rPr lang="ko-KR" altLang="en-US" b="1" dirty="0" err="1">
+                <a:solidFill>
+                  <a:schemeClr val="tx1"/>
+                </a:solidFill>
+              </a:rPr>
+              <a:t>메인페이지</a:t>
+            </a:r>
+            <a:endParaRPr lang="ko-KR" altLang="en-US" b="1" dirty="0">
+              <a:solidFill>
+                <a:schemeClr val="tx1"/>
+              </a:solidFill>
+            </a:endParaRPr>
+          </a:p>
+        </p:txBody>
+      </p:sp>
+      <p:sp>
+        <p:nvSpPr>
+          <p:cNvPr id="15" name="사각형: 둥근 모서리 14">
+            <a:extLst>
+              <a:ext uri="{FF2B5EF4-FFF2-40B4-BE49-F238E27FC236}">
+                <a16:creationId xmlns:a16="http://schemas.microsoft.com/office/drawing/2014/main" id="{E713DB17-F891-453D-989F-D20766E62BE4}"/>
+              </a:ext>
+            </a:extLst>
+          </p:cNvPr>
+          <p:cNvSpPr/>
+          <p:nvPr/>
+        </p:nvSpPr>
+        <p:spPr>
+          <a:xfrm>
+            <a:off x="716918" y="1458574"/>
+            <a:ext cx="1489032" cy="2890454"/>
+          </a:xfrm>
+          <a:prstGeom prst="roundRect">
+            <a:avLst>
+              <a:gd name="adj" fmla="val 0"/>
+            </a:avLst>
+          </a:prstGeom>
+          <a:solidFill>
+            <a:schemeClr val="bg2"/>
+          </a:solidFill>
+        </p:spPr>
+        <p:style>
+          <a:lnRef idx="2">
+            <a:schemeClr val="accent1">
+              <a:shade val="50000"/>
+            </a:schemeClr>
+          </a:lnRef>
+          <a:fillRef idx="1">
+            <a:schemeClr val="accent1"/>
+          </a:fillRef>
+          <a:effectRef idx="0">
+            <a:schemeClr val="accent1"/>
+          </a:effectRef>
+          <a:fontRef idx="minor">
+            <a:schemeClr val="lt1"/>
+          </a:fontRef>
+        </p:style>
+        <p:txBody>
+          <a:bodyPr rtlCol="0" anchor="ctr"/>
+          <a:lstStyle/>
+          <a:p>
+            <a:pPr algn="ctr"/>
+            <a:endParaRPr lang="ko-KR" altLang="en-US" b="1"/>
+          </a:p>
+        </p:txBody>
+      </p:sp>
+      <p:sp>
+        <p:nvSpPr>
+          <p:cNvPr id="32" name="사각형: 둥근 모서리 31">
+            <a:extLst>
+              <a:ext uri="{FF2B5EF4-FFF2-40B4-BE49-F238E27FC236}">
+                <a16:creationId xmlns:a16="http://schemas.microsoft.com/office/drawing/2014/main" id="{923EC83D-FE28-48BA-A5D5-0996F5857C6B}"/>
+              </a:ext>
+            </a:extLst>
+          </p:cNvPr>
+          <p:cNvSpPr/>
+          <p:nvPr/>
+        </p:nvSpPr>
+        <p:spPr>
+          <a:xfrm>
+            <a:off x="846196" y="1673040"/>
+            <a:ext cx="1230475" cy="586066"/>
+          </a:xfrm>
+          <a:prstGeom prst="roundRect">
+            <a:avLst>
+              <a:gd name="adj" fmla="val 0"/>
+            </a:avLst>
+          </a:prstGeom>
+          <a:solidFill>
+            <a:schemeClr val="accent4">
+              <a:lumMod val="40000"/>
+              <a:lumOff val="60000"/>
+            </a:schemeClr>
+          </a:solidFill>
+        </p:spPr>
+        <p:style>
+          <a:lnRef idx="2">
+            <a:schemeClr val="accent1">
+              <a:shade val="50000"/>
+            </a:schemeClr>
+          </a:lnRef>
+          <a:fillRef idx="1">
+            <a:schemeClr val="accent1"/>
+          </a:fillRef>
+          <a:effectRef idx="0">
+            <a:schemeClr val="accent1"/>
+          </a:effectRef>
+          <a:fontRef idx="minor">
+            <a:schemeClr val="lt1"/>
+          </a:fontRef>
+        </p:style>
+        <p:txBody>
+          <a:bodyPr rtlCol="0" anchor="ctr"/>
+          <a:lstStyle/>
+          <a:p>
+            <a:pPr algn="ctr"/>
+            <a:r>
+              <a:rPr lang="ko-KR" altLang="en-US" b="1" dirty="0">
+                <a:solidFill>
+                  <a:schemeClr val="tx1"/>
+                </a:solidFill>
+              </a:rPr>
+              <a:t>제품목록</a:t>
+            </a:r>
+          </a:p>
+        </p:txBody>
+      </p:sp>
+      <p:sp>
+        <p:nvSpPr>
+          <p:cNvPr id="39" name="사각형: 둥근 모서리 38">
+            <a:extLst>
+              <a:ext uri="{FF2B5EF4-FFF2-40B4-BE49-F238E27FC236}">
+                <a16:creationId xmlns:a16="http://schemas.microsoft.com/office/drawing/2014/main" id="{31768A5C-FD37-47A6-8E03-3341F58BCC86}"/>
+              </a:ext>
+            </a:extLst>
+          </p:cNvPr>
+          <p:cNvSpPr/>
+          <p:nvPr/>
+        </p:nvSpPr>
+        <p:spPr>
+          <a:xfrm>
+            <a:off x="2384482" y="1482081"/>
+            <a:ext cx="1489032" cy="2864346"/>
+          </a:xfrm>
+          <a:prstGeom prst="roundRect">
+            <a:avLst>
+              <a:gd name="adj" fmla="val 0"/>
+            </a:avLst>
+          </a:prstGeom>
+          <a:solidFill>
+            <a:schemeClr val="bg2"/>
+          </a:solidFill>
+        </p:spPr>
+        <p:style>
+          <a:lnRef idx="2">
+            <a:schemeClr val="accent1">
+              <a:shade val="50000"/>
+            </a:schemeClr>
+          </a:lnRef>
+          <a:fillRef idx="1">
+            <a:schemeClr val="accent1"/>
+          </a:fillRef>
+          <a:effectRef idx="0">
+            <a:schemeClr val="accent1"/>
+          </a:effectRef>
+          <a:fontRef idx="minor">
+            <a:schemeClr val="lt1"/>
+          </a:fontRef>
+        </p:style>
+        <p:txBody>
+          <a:bodyPr rtlCol="0" anchor="ctr"/>
+          <a:lstStyle/>
+          <a:p>
+            <a:pPr algn="ctr"/>
+            <a:endParaRPr lang="ko-KR" altLang="en-US" b="1"/>
+          </a:p>
+        </p:txBody>
+      </p:sp>
+      <p:sp>
+        <p:nvSpPr>
+          <p:cNvPr id="40" name="사각형: 둥근 모서리 39">
+            <a:extLst>
+              <a:ext uri="{FF2B5EF4-FFF2-40B4-BE49-F238E27FC236}">
+                <a16:creationId xmlns:a16="http://schemas.microsoft.com/office/drawing/2014/main" id="{6569C913-7B5E-4D9F-9F7C-FFB1D32A083F}"/>
+              </a:ext>
+            </a:extLst>
+          </p:cNvPr>
+          <p:cNvSpPr/>
+          <p:nvPr/>
+        </p:nvSpPr>
+        <p:spPr>
+          <a:xfrm>
+            <a:off x="837044" y="2591922"/>
+            <a:ext cx="1230475" cy="586066"/>
+          </a:xfrm>
+          <a:prstGeom prst="roundRect">
+            <a:avLst>
+              <a:gd name="adj" fmla="val 0"/>
+            </a:avLst>
+          </a:prstGeom>
+          <a:solidFill>
+            <a:schemeClr val="accent4">
+              <a:lumMod val="40000"/>
+              <a:lumOff val="60000"/>
+            </a:schemeClr>
+          </a:solidFill>
+        </p:spPr>
+        <p:style>
+          <a:lnRef idx="2">
+            <a:schemeClr val="accent1">
+              <a:shade val="50000"/>
+            </a:schemeClr>
+          </a:lnRef>
+          <a:fillRef idx="1">
+            <a:schemeClr val="accent1"/>
+          </a:fillRef>
+          <a:effectRef idx="0">
+            <a:schemeClr val="accent1"/>
+          </a:effectRef>
+          <a:fontRef idx="minor">
+            <a:schemeClr val="lt1"/>
+          </a:fontRef>
+        </p:style>
+        <p:txBody>
+          <a:bodyPr rtlCol="0" anchor="ctr"/>
+          <a:lstStyle/>
+          <a:p>
+            <a:pPr algn="ctr"/>
+            <a:r>
+              <a:rPr lang="ko-KR" altLang="en-US" b="1" dirty="0" err="1">
+                <a:solidFill>
+                  <a:schemeClr val="tx1"/>
+                </a:solidFill>
+              </a:rPr>
+              <a:t>제품상세</a:t>
+            </a:r>
+            <a:endParaRPr lang="ko-KR" altLang="en-US" b="1" dirty="0">
+              <a:solidFill>
+                <a:schemeClr val="tx1"/>
+              </a:solidFill>
+            </a:endParaRPr>
+          </a:p>
+        </p:txBody>
+      </p:sp>
+      <p:cxnSp>
+        <p:nvCxnSpPr>
+          <p:cNvPr id="42" name="직선 화살표 연결선 41">
+            <a:extLst>
+              <a:ext uri="{FF2B5EF4-FFF2-40B4-BE49-F238E27FC236}">
+                <a16:creationId xmlns:a16="http://schemas.microsoft.com/office/drawing/2014/main" id="{1205CDE7-D1BA-468D-A550-912BFFD8305B}"/>
+              </a:ext>
+            </a:extLst>
+          </p:cNvPr>
+          <p:cNvCxnSpPr>
+            <a:endCxn id="40" idx="0"/>
+          </p:cNvCxnSpPr>
+          <p:nvPr/>
+        </p:nvCxnSpPr>
+        <p:spPr>
+          <a:xfrm>
+            <a:off x="1452281" y="2259106"/>
+            <a:ext cx="1" cy="332816"/>
+          </a:xfrm>
+          <a:prstGeom prst="straightConnector1">
+            <a:avLst/>
+          </a:prstGeom>
+          <a:ln w="38100">
+            <a:tailEnd type="triangle"/>
+          </a:ln>
+        </p:spPr>
+        <p:style>
+          <a:lnRef idx="1">
+            <a:schemeClr val="accent1"/>
+          </a:lnRef>
+          <a:fillRef idx="0">
+            <a:schemeClr val="accent1"/>
+          </a:fillRef>
+          <a:effectRef idx="0">
+            <a:schemeClr val="accent1"/>
+          </a:effectRef>
+          <a:fontRef idx="minor">
+            <a:schemeClr val="tx1"/>
+          </a:fontRef>
+        </p:style>
+      </p:cxnSp>
+      <p:cxnSp>
+        <p:nvCxnSpPr>
+          <p:cNvPr id="43" name="직선 화살표 연결선 42">
+            <a:extLst>
+              <a:ext uri="{FF2B5EF4-FFF2-40B4-BE49-F238E27FC236}">
+                <a16:creationId xmlns:a16="http://schemas.microsoft.com/office/drawing/2014/main" id="{A4C4D3ED-D7EC-4836-A50E-99725200C3CA}"/>
+              </a:ext>
+            </a:extLst>
+          </p:cNvPr>
+          <p:cNvCxnSpPr/>
+          <p:nvPr/>
+        </p:nvCxnSpPr>
+        <p:spPr>
+          <a:xfrm>
+            <a:off x="1461432" y="1354574"/>
+            <a:ext cx="1" cy="332816"/>
+          </a:xfrm>
+          <a:prstGeom prst="straightConnector1">
+            <a:avLst/>
+          </a:prstGeom>
+          <a:ln w="38100">
+            <a:tailEnd type="triangle"/>
+          </a:ln>
+        </p:spPr>
+        <p:style>
+          <a:lnRef idx="1">
+            <a:schemeClr val="accent1"/>
+          </a:lnRef>
+          <a:fillRef idx="0">
+            <a:schemeClr val="accent1"/>
+          </a:fillRef>
+          <a:effectRef idx="0">
+            <a:schemeClr val="accent1"/>
+          </a:effectRef>
+          <a:fontRef idx="minor">
+            <a:schemeClr val="tx1"/>
+          </a:fontRef>
+        </p:style>
+      </p:cxnSp>
+      <p:cxnSp>
+        <p:nvCxnSpPr>
+          <p:cNvPr id="47" name="직선 화살표 연결선 46">
+            <a:extLst>
+              <a:ext uri="{FF2B5EF4-FFF2-40B4-BE49-F238E27FC236}">
+                <a16:creationId xmlns:a16="http://schemas.microsoft.com/office/drawing/2014/main" id="{9F92A6D2-C6A6-46D8-AE90-759DBCE1BABC}"/>
+              </a:ext>
+            </a:extLst>
+          </p:cNvPr>
+          <p:cNvCxnSpPr/>
+          <p:nvPr/>
+        </p:nvCxnSpPr>
+        <p:spPr>
+          <a:xfrm>
+            <a:off x="3116278" y="1336645"/>
+            <a:ext cx="1" cy="332816"/>
+          </a:xfrm>
+          <a:prstGeom prst="straightConnector1">
+            <a:avLst/>
+          </a:prstGeom>
+          <a:ln w="38100">
+            <a:tailEnd type="triangle"/>
+          </a:ln>
+        </p:spPr>
+        <p:style>
+          <a:lnRef idx="1">
+            <a:schemeClr val="accent1"/>
+          </a:lnRef>
+          <a:fillRef idx="0">
+            <a:schemeClr val="accent1"/>
+          </a:fillRef>
+          <a:effectRef idx="0">
+            <a:schemeClr val="accent1"/>
+          </a:effectRef>
+          <a:fontRef idx="minor">
+            <a:schemeClr val="tx1"/>
+          </a:fontRef>
+        </p:style>
+      </p:cxnSp>
+      <p:sp>
+        <p:nvSpPr>
+          <p:cNvPr id="48" name="사각형: 둥근 모서리 47">
+            <a:extLst>
+              <a:ext uri="{FF2B5EF4-FFF2-40B4-BE49-F238E27FC236}">
+                <a16:creationId xmlns:a16="http://schemas.microsoft.com/office/drawing/2014/main" id="{F43E69A6-9AA1-467F-805B-722CF41CA41C}"/>
+              </a:ext>
+            </a:extLst>
+          </p:cNvPr>
+          <p:cNvSpPr/>
+          <p:nvPr/>
+        </p:nvSpPr>
+        <p:spPr>
+          <a:xfrm>
+            <a:off x="4476032" y="689063"/>
+            <a:ext cx="3386292" cy="3952998"/>
+          </a:xfrm>
+          <a:prstGeom prst="roundRect">
+            <a:avLst>
+              <a:gd name="adj" fmla="val 0"/>
+            </a:avLst>
+          </a:prstGeom>
+          <a:solidFill>
+            <a:schemeClr val="accent4">
+              <a:lumMod val="40000"/>
+              <a:lumOff val="60000"/>
+            </a:schemeClr>
+          </a:solidFill>
+        </p:spPr>
+        <p:style>
+          <a:lnRef idx="2">
+            <a:schemeClr val="accent1">
+              <a:shade val="50000"/>
+            </a:schemeClr>
+          </a:lnRef>
+          <a:fillRef idx="1">
+            <a:schemeClr val="accent1"/>
+          </a:fillRef>
+          <a:effectRef idx="0">
+            <a:schemeClr val="accent1"/>
+          </a:effectRef>
+          <a:fontRef idx="minor">
+            <a:schemeClr val="lt1"/>
+          </a:fontRef>
+        </p:style>
+        <p:txBody>
+          <a:bodyPr rtlCol="0" anchor="ctr"/>
+          <a:lstStyle/>
+          <a:p>
+            <a:pPr algn="ctr"/>
+            <a:endParaRPr lang="ko-KR" altLang="en-US" b="1" dirty="0">
+              <a:solidFill>
+                <a:schemeClr val="tx1"/>
+              </a:solidFill>
+            </a:endParaRPr>
+          </a:p>
+        </p:txBody>
+      </p:sp>
+      <p:sp>
+        <p:nvSpPr>
+          <p:cNvPr id="49" name="사각형: 둥근 모서리 48">
+            <a:extLst>
+              <a:ext uri="{FF2B5EF4-FFF2-40B4-BE49-F238E27FC236}">
+                <a16:creationId xmlns:a16="http://schemas.microsoft.com/office/drawing/2014/main" id="{7473E21F-8F6D-4E9B-A49B-C05E2CCB71C3}"/>
+              </a:ext>
+            </a:extLst>
+          </p:cNvPr>
+          <p:cNvSpPr/>
+          <p:nvPr/>
+        </p:nvSpPr>
+        <p:spPr>
+          <a:xfrm>
+            <a:off x="8411138" y="797248"/>
+            <a:ext cx="3285563" cy="539397"/>
+          </a:xfrm>
+          <a:prstGeom prst="roundRect">
+            <a:avLst>
+              <a:gd name="adj" fmla="val 0"/>
+            </a:avLst>
+          </a:prstGeom>
+          <a:solidFill>
+            <a:schemeClr val="accent4">
+              <a:lumMod val="40000"/>
+              <a:lumOff val="60000"/>
+            </a:schemeClr>
+          </a:solidFill>
+        </p:spPr>
+        <p:style>
+          <a:lnRef idx="2">
+            <a:schemeClr val="accent1">
+              <a:shade val="50000"/>
+            </a:schemeClr>
+          </a:lnRef>
+          <a:fillRef idx="1">
+            <a:schemeClr val="accent1"/>
+          </a:fillRef>
+          <a:effectRef idx="0">
+            <a:schemeClr val="accent1"/>
+          </a:effectRef>
+          <a:fontRef idx="minor">
+            <a:schemeClr val="lt1"/>
+          </a:fontRef>
+        </p:style>
+        <p:txBody>
+          <a:bodyPr rtlCol="0" anchor="ctr"/>
+          <a:lstStyle/>
+          <a:p>
+            <a:pPr algn="ctr"/>
+            <a:r>
+              <a:rPr lang="ko-KR" altLang="en-US" b="1" dirty="0" err="1">
+                <a:solidFill>
+                  <a:schemeClr val="tx1"/>
+                </a:solidFill>
+              </a:rPr>
+              <a:t>메인페이지</a:t>
+            </a:r>
+            <a:endParaRPr lang="ko-KR" altLang="en-US" b="1" dirty="0">
+              <a:solidFill>
+                <a:schemeClr val="tx1"/>
+              </a:solidFill>
+            </a:endParaRPr>
+          </a:p>
+        </p:txBody>
+      </p:sp>
+      <p:sp>
+        <p:nvSpPr>
+          <p:cNvPr id="53" name="사각형: 둥근 모서리 52">
+            <a:extLst>
+              <a:ext uri="{FF2B5EF4-FFF2-40B4-BE49-F238E27FC236}">
+                <a16:creationId xmlns:a16="http://schemas.microsoft.com/office/drawing/2014/main" id="{A82D4B35-D20E-4603-9C87-ADAFB78D89E7}"/>
+              </a:ext>
+            </a:extLst>
+          </p:cNvPr>
+          <p:cNvSpPr/>
+          <p:nvPr/>
+        </p:nvSpPr>
+        <p:spPr>
+          <a:xfrm>
+            <a:off x="8828746" y="1669006"/>
+            <a:ext cx="2474342" cy="586066"/>
+          </a:xfrm>
+          <a:prstGeom prst="roundRect">
+            <a:avLst>
+              <a:gd name="adj" fmla="val 0"/>
+            </a:avLst>
+          </a:prstGeom>
+          <a:solidFill>
+            <a:schemeClr val="accent4">
+              <a:lumMod val="40000"/>
+              <a:lumOff val="60000"/>
+            </a:schemeClr>
+          </a:solidFill>
+        </p:spPr>
+        <p:style>
+          <a:lnRef idx="2">
+            <a:schemeClr val="accent1">
+              <a:shade val="50000"/>
+            </a:schemeClr>
+          </a:lnRef>
+          <a:fillRef idx="1">
+            <a:schemeClr val="accent1"/>
+          </a:fillRef>
+          <a:effectRef idx="0">
+            <a:schemeClr val="accent1"/>
+          </a:effectRef>
+          <a:fontRef idx="minor">
+            <a:schemeClr val="lt1"/>
+          </a:fontRef>
+        </p:style>
+        <p:txBody>
+          <a:bodyPr rtlCol="0" anchor="ctr"/>
+          <a:lstStyle/>
+          <a:p>
+            <a:pPr algn="ctr"/>
+            <a:r>
+              <a:rPr lang="ko-KR" altLang="en-US" b="1" dirty="0">
+                <a:solidFill>
+                  <a:schemeClr val="tx1"/>
+                </a:solidFill>
+              </a:rPr>
+              <a:t>파트너쉽 신청</a:t>
+            </a:r>
+            <a:endParaRPr lang="ko-KR" altLang="en-US" sz="1400" b="1" dirty="0">
+              <a:solidFill>
+                <a:schemeClr val="tx1"/>
+              </a:solidFill>
+            </a:endParaRPr>
+          </a:p>
+        </p:txBody>
+      </p:sp>
+      <p:sp>
+        <p:nvSpPr>
+          <p:cNvPr id="54" name="사각형: 둥근 모서리 53">
+            <a:extLst>
+              <a:ext uri="{FF2B5EF4-FFF2-40B4-BE49-F238E27FC236}">
+                <a16:creationId xmlns:a16="http://schemas.microsoft.com/office/drawing/2014/main" id="{D6097732-BCB0-4737-973B-DCCA9F3F11C4}"/>
+              </a:ext>
+            </a:extLst>
+          </p:cNvPr>
+          <p:cNvSpPr/>
+          <p:nvPr/>
+        </p:nvSpPr>
+        <p:spPr>
+          <a:xfrm>
+            <a:off x="8806995" y="2835776"/>
+            <a:ext cx="2496094" cy="586066"/>
+          </a:xfrm>
+          <a:prstGeom prst="roundRect">
+            <a:avLst>
+              <a:gd name="adj" fmla="val 0"/>
+            </a:avLst>
+          </a:prstGeom>
+          <a:solidFill>
+            <a:schemeClr val="accent4">
+              <a:lumMod val="40000"/>
+              <a:lumOff val="60000"/>
+            </a:schemeClr>
+          </a:solidFill>
+        </p:spPr>
+        <p:style>
+          <a:lnRef idx="2">
+            <a:schemeClr val="accent1">
+              <a:shade val="50000"/>
+            </a:schemeClr>
+          </a:lnRef>
+          <a:fillRef idx="1">
+            <a:schemeClr val="accent1"/>
+          </a:fillRef>
+          <a:effectRef idx="0">
+            <a:schemeClr val="accent1"/>
+          </a:effectRef>
+          <a:fontRef idx="minor">
+            <a:schemeClr val="lt1"/>
+          </a:fontRef>
+        </p:style>
+        <p:txBody>
+          <a:bodyPr rtlCol="0" anchor="ctr"/>
+          <a:lstStyle/>
+          <a:p>
+            <a:pPr algn="ctr"/>
+            <a:r>
+              <a:rPr lang="ko-KR" altLang="en-US" b="1" dirty="0">
+                <a:solidFill>
+                  <a:schemeClr val="tx1"/>
+                </a:solidFill>
+              </a:rPr>
+              <a:t>판매제품 관리</a:t>
+            </a:r>
+            <a:endParaRPr lang="ko-KR" altLang="en-US" sz="1400" b="1" dirty="0">
+              <a:solidFill>
+                <a:schemeClr val="tx1"/>
+              </a:solidFill>
+            </a:endParaRPr>
+          </a:p>
+        </p:txBody>
+      </p:sp>
+      <p:sp>
+        <p:nvSpPr>
+          <p:cNvPr id="57" name="사각형: 둥근 모서리 56">
+            <a:extLst>
+              <a:ext uri="{FF2B5EF4-FFF2-40B4-BE49-F238E27FC236}">
+                <a16:creationId xmlns:a16="http://schemas.microsoft.com/office/drawing/2014/main" id="{859C0F5F-4AAE-45CC-A0E3-192F982C6AF5}"/>
+              </a:ext>
+            </a:extLst>
+          </p:cNvPr>
+          <p:cNvSpPr/>
+          <p:nvPr/>
+        </p:nvSpPr>
+        <p:spPr>
+          <a:xfrm>
+            <a:off x="4595721" y="1452690"/>
+            <a:ext cx="3139987" cy="898871"/>
+          </a:xfrm>
+          <a:prstGeom prst="roundRect">
+            <a:avLst>
+              <a:gd name="adj" fmla="val 0"/>
+            </a:avLst>
+          </a:prstGeom>
+          <a:solidFill>
+            <a:schemeClr val="bg2"/>
+          </a:solidFill>
+        </p:spPr>
+        <p:style>
+          <a:lnRef idx="2">
+            <a:schemeClr val="accent1">
+              <a:shade val="50000"/>
+            </a:schemeClr>
+          </a:lnRef>
+          <a:fillRef idx="1">
+            <a:schemeClr val="accent1"/>
+          </a:fillRef>
+          <a:effectRef idx="0">
+            <a:schemeClr val="accent1"/>
+          </a:effectRef>
+          <a:fontRef idx="minor">
+            <a:schemeClr val="lt1"/>
+          </a:fontRef>
+        </p:style>
+        <p:txBody>
+          <a:bodyPr rtlCol="0" anchor="ctr"/>
+          <a:lstStyle/>
+          <a:p>
+            <a:pPr algn="ctr"/>
+            <a:endParaRPr lang="ko-KR" altLang="en-US" b="1"/>
+          </a:p>
+        </p:txBody>
+      </p:sp>
+      <p:sp>
+        <p:nvSpPr>
+          <p:cNvPr id="58" name="사각형: 둥근 모서리 57">
+            <a:extLst>
+              <a:ext uri="{FF2B5EF4-FFF2-40B4-BE49-F238E27FC236}">
+                <a16:creationId xmlns:a16="http://schemas.microsoft.com/office/drawing/2014/main" id="{AEA727F9-B114-4D76-A8F5-542FE1851B59}"/>
+              </a:ext>
+            </a:extLst>
+          </p:cNvPr>
+          <p:cNvSpPr/>
+          <p:nvPr/>
+        </p:nvSpPr>
+        <p:spPr>
+          <a:xfrm>
+            <a:off x="5037047" y="1612190"/>
+            <a:ext cx="2348134" cy="586066"/>
+          </a:xfrm>
+          <a:prstGeom prst="roundRect">
+            <a:avLst>
+              <a:gd name="adj" fmla="val 0"/>
+            </a:avLst>
+          </a:prstGeom>
+          <a:solidFill>
+            <a:schemeClr val="accent4">
+              <a:lumMod val="40000"/>
+              <a:lumOff val="60000"/>
+            </a:schemeClr>
+          </a:solidFill>
+        </p:spPr>
+        <p:style>
+          <a:lnRef idx="2">
+            <a:schemeClr val="accent1">
+              <a:shade val="50000"/>
+            </a:schemeClr>
+          </a:lnRef>
+          <a:fillRef idx="1">
+            <a:schemeClr val="accent1"/>
+          </a:fillRef>
+          <a:effectRef idx="0">
+            <a:schemeClr val="accent1"/>
+          </a:effectRef>
+          <a:fontRef idx="minor">
+            <a:schemeClr val="lt1"/>
+          </a:fontRef>
+        </p:style>
+        <p:txBody>
+          <a:bodyPr rtlCol="0" anchor="ctr"/>
+          <a:lstStyle/>
+          <a:p>
+            <a:pPr algn="ctr"/>
+            <a:r>
+              <a:rPr lang="ko-KR" altLang="en-US" b="1" dirty="0">
+                <a:solidFill>
+                  <a:schemeClr val="tx1"/>
+                </a:solidFill>
+              </a:rPr>
+              <a:t>파트너 관리</a:t>
+            </a:r>
+            <a:endParaRPr lang="ko-KR" altLang="en-US" sz="1400" b="1" dirty="0">
+              <a:solidFill>
+                <a:schemeClr val="tx1"/>
+              </a:solidFill>
+            </a:endParaRPr>
+          </a:p>
+        </p:txBody>
+      </p:sp>
+      <p:sp>
+        <p:nvSpPr>
+          <p:cNvPr id="64" name="사각형: 둥근 모서리 63">
+            <a:extLst>
+              <a:ext uri="{FF2B5EF4-FFF2-40B4-BE49-F238E27FC236}">
+                <a16:creationId xmlns:a16="http://schemas.microsoft.com/office/drawing/2014/main" id="{11E491CC-E462-4F8C-9968-AD20A63F74BC}"/>
+              </a:ext>
+            </a:extLst>
+          </p:cNvPr>
+          <p:cNvSpPr/>
+          <p:nvPr/>
+        </p:nvSpPr>
+        <p:spPr>
+          <a:xfrm>
+            <a:off x="4606896" y="2505644"/>
+            <a:ext cx="3139987" cy="898871"/>
+          </a:xfrm>
+          <a:prstGeom prst="roundRect">
+            <a:avLst>
+              <a:gd name="adj" fmla="val 0"/>
+            </a:avLst>
+          </a:prstGeom>
+          <a:solidFill>
+            <a:schemeClr val="bg2"/>
+          </a:solidFill>
+        </p:spPr>
+        <p:style>
+          <a:lnRef idx="2">
+            <a:schemeClr val="accent1">
+              <a:shade val="50000"/>
+            </a:schemeClr>
+          </a:lnRef>
+          <a:fillRef idx="1">
+            <a:schemeClr val="accent1"/>
+          </a:fillRef>
+          <a:effectRef idx="0">
+            <a:schemeClr val="accent1"/>
+          </a:effectRef>
+          <a:fontRef idx="minor">
+            <a:schemeClr val="lt1"/>
+          </a:fontRef>
+        </p:style>
+        <p:txBody>
+          <a:bodyPr rtlCol="0" anchor="ctr"/>
+          <a:lstStyle/>
+          <a:p>
+            <a:pPr algn="ctr"/>
+            <a:endParaRPr lang="ko-KR" altLang="en-US" b="1"/>
+          </a:p>
+        </p:txBody>
+      </p:sp>
+      <p:sp>
+        <p:nvSpPr>
+          <p:cNvPr id="65" name="사각형: 둥근 모서리 64">
+            <a:extLst>
+              <a:ext uri="{FF2B5EF4-FFF2-40B4-BE49-F238E27FC236}">
+                <a16:creationId xmlns:a16="http://schemas.microsoft.com/office/drawing/2014/main" id="{54CC15EF-D017-4878-97D9-E2D29209AC84}"/>
+              </a:ext>
+            </a:extLst>
+          </p:cNvPr>
+          <p:cNvSpPr/>
+          <p:nvPr/>
+        </p:nvSpPr>
+        <p:spPr>
+          <a:xfrm>
+            <a:off x="5012362" y="2664605"/>
+            <a:ext cx="2348134" cy="586066"/>
+          </a:xfrm>
+          <a:prstGeom prst="roundRect">
+            <a:avLst>
+              <a:gd name="adj" fmla="val 0"/>
+            </a:avLst>
+          </a:prstGeom>
+          <a:solidFill>
+            <a:schemeClr val="accent4">
+              <a:lumMod val="40000"/>
+              <a:lumOff val="60000"/>
+            </a:schemeClr>
+          </a:solidFill>
+        </p:spPr>
+        <p:style>
+          <a:lnRef idx="2">
+            <a:schemeClr val="accent1">
+              <a:shade val="50000"/>
+            </a:schemeClr>
+          </a:lnRef>
+          <a:fillRef idx="1">
+            <a:schemeClr val="accent1"/>
+          </a:fillRef>
+          <a:effectRef idx="0">
+            <a:schemeClr val="accent1"/>
+          </a:effectRef>
+          <a:fontRef idx="minor">
+            <a:schemeClr val="lt1"/>
+          </a:fontRef>
+        </p:style>
+        <p:txBody>
+          <a:bodyPr rtlCol="0" anchor="ctr"/>
+          <a:lstStyle/>
+          <a:p>
+            <a:pPr algn="ctr"/>
+            <a:r>
+              <a:rPr lang="ko-KR" altLang="en-US" b="1" dirty="0">
+                <a:solidFill>
+                  <a:schemeClr val="tx1"/>
+                </a:solidFill>
+              </a:rPr>
+              <a:t>통합 제품 관리</a:t>
+            </a:r>
+            <a:endParaRPr lang="ko-KR" altLang="en-US" sz="1400" b="1" dirty="0">
+              <a:solidFill>
+                <a:schemeClr val="tx1"/>
+              </a:solidFill>
+            </a:endParaRPr>
+          </a:p>
+        </p:txBody>
+      </p:sp>
+      <p:cxnSp>
+        <p:nvCxnSpPr>
+          <p:cNvPr id="75" name="연결선: 꺾임 74">
+            <a:extLst>
+              <a:ext uri="{FF2B5EF4-FFF2-40B4-BE49-F238E27FC236}">
+                <a16:creationId xmlns:a16="http://schemas.microsoft.com/office/drawing/2014/main" id="{5E6EC94D-A2D3-4ED2-B72C-E5B2073062EA}"/>
+              </a:ext>
+            </a:extLst>
+          </p:cNvPr>
+          <p:cNvCxnSpPr>
+            <a:cxnSpLocks/>
+            <a:endCxn id="32" idx="3"/>
+          </p:cNvCxnSpPr>
+          <p:nvPr/>
+        </p:nvCxnSpPr>
+        <p:spPr>
+          <a:xfrm rot="10800000">
+            <a:off x="2076672" y="1966074"/>
+            <a:ext cx="2883361" cy="1109035"/>
+          </a:xfrm>
+          <a:prstGeom prst="bentConnector3">
+            <a:avLst>
+              <a:gd name="adj1" fmla="val 92595"/>
+            </a:avLst>
+          </a:prstGeom>
+          <a:ln w="38100">
+            <a:solidFill>
+              <a:schemeClr val="accent2">
+                <a:lumMod val="75000"/>
+              </a:schemeClr>
+            </a:solidFill>
+            <a:prstDash val="dash"/>
+            <a:tailEnd type="triangle"/>
+          </a:ln>
+        </p:spPr>
+        <p:style>
+          <a:lnRef idx="1">
+            <a:schemeClr val="accent1"/>
+          </a:lnRef>
+          <a:fillRef idx="0">
+            <a:schemeClr val="accent1"/>
+          </a:fillRef>
+          <a:effectRef idx="0">
+            <a:schemeClr val="accent1"/>
+          </a:effectRef>
+          <a:fontRef idx="minor">
+            <a:schemeClr val="tx1"/>
+          </a:fontRef>
+        </p:style>
+      </p:cxnSp>
+      <p:sp>
+        <p:nvSpPr>
+          <p:cNvPr id="83" name="TextBox 82">
+            <a:extLst>
+              <a:ext uri="{FF2B5EF4-FFF2-40B4-BE49-F238E27FC236}">
+                <a16:creationId xmlns:a16="http://schemas.microsoft.com/office/drawing/2014/main" id="{C8524ADB-D883-49D9-A71D-CBE90A4C7153}"/>
+              </a:ext>
+            </a:extLst>
+          </p:cNvPr>
+          <p:cNvSpPr txBox="1"/>
+          <p:nvPr/>
+        </p:nvSpPr>
+        <p:spPr>
+          <a:xfrm>
+            <a:off x="5618202" y="846887"/>
+            <a:ext cx="1107996" cy="369332"/>
+          </a:xfrm>
+          <a:prstGeom prst="rect">
+            <a:avLst/>
+          </a:prstGeom>
+          <a:noFill/>
+        </p:spPr>
+        <p:txBody>
+          <a:bodyPr wrap="none" rtlCol="0">
+            <a:spAutoFit/>
+          </a:bodyPr>
+          <a:lstStyle/>
+          <a:p>
+            <a:r>
+              <a:rPr lang="ko-KR" altLang="en-US" b="1"/>
+              <a:t>대쉬보드</a:t>
+            </a:r>
+            <a:endParaRPr lang="ko-KR" altLang="en-US" b="1" dirty="0"/>
+          </a:p>
+        </p:txBody>
+      </p:sp>
+      <p:sp>
+        <p:nvSpPr>
+          <p:cNvPr id="84" name="사각형: 둥근 모서리 83">
+            <a:extLst>
+              <a:ext uri="{FF2B5EF4-FFF2-40B4-BE49-F238E27FC236}">
+                <a16:creationId xmlns:a16="http://schemas.microsoft.com/office/drawing/2014/main" id="{3CD5BAEF-8D9F-4DAC-8259-175A024F88DA}"/>
+              </a:ext>
+            </a:extLst>
+          </p:cNvPr>
+          <p:cNvSpPr/>
+          <p:nvPr/>
+        </p:nvSpPr>
+        <p:spPr>
+          <a:xfrm>
+            <a:off x="826159" y="3498484"/>
+            <a:ext cx="1230475" cy="586066"/>
+          </a:xfrm>
+          <a:prstGeom prst="roundRect">
+            <a:avLst>
+              <a:gd name="adj" fmla="val 0"/>
+            </a:avLst>
+          </a:prstGeom>
+          <a:solidFill>
+            <a:schemeClr val="accent4">
+              <a:lumMod val="40000"/>
+              <a:lumOff val="60000"/>
+            </a:schemeClr>
+          </a:solidFill>
+        </p:spPr>
+        <p:style>
+          <a:lnRef idx="2">
+            <a:schemeClr val="accent1">
+              <a:shade val="50000"/>
+            </a:schemeClr>
+          </a:lnRef>
+          <a:fillRef idx="1">
+            <a:schemeClr val="accent1"/>
+          </a:fillRef>
+          <a:effectRef idx="0">
+            <a:schemeClr val="accent1"/>
+          </a:effectRef>
+          <a:fontRef idx="minor">
+            <a:schemeClr val="lt1"/>
+          </a:fontRef>
+        </p:style>
+        <p:txBody>
+          <a:bodyPr rtlCol="0" anchor="ctr"/>
+          <a:lstStyle/>
+          <a:p>
+            <a:pPr algn="ctr"/>
+            <a:r>
+              <a:rPr lang="ko-KR" altLang="en-US" b="1" dirty="0">
+                <a:solidFill>
+                  <a:schemeClr val="tx1"/>
+                </a:solidFill>
+              </a:rPr>
+              <a:t>구독</a:t>
+            </a:r>
+            <a:endParaRPr lang="ko-KR" altLang="en-US" sz="1400" b="1" dirty="0">
+              <a:solidFill>
+                <a:schemeClr val="tx1"/>
+              </a:solidFill>
+            </a:endParaRPr>
+          </a:p>
+        </p:txBody>
+      </p:sp>
+      <p:cxnSp>
+        <p:nvCxnSpPr>
+          <p:cNvPr id="85" name="직선 화살표 연결선 84">
+            <a:extLst>
+              <a:ext uri="{FF2B5EF4-FFF2-40B4-BE49-F238E27FC236}">
+                <a16:creationId xmlns:a16="http://schemas.microsoft.com/office/drawing/2014/main" id="{9C0E93AE-00AA-4CCB-B6C5-488C879EF8DC}"/>
+              </a:ext>
+            </a:extLst>
+          </p:cNvPr>
+          <p:cNvCxnSpPr/>
+          <p:nvPr/>
+        </p:nvCxnSpPr>
+        <p:spPr>
+          <a:xfrm>
+            <a:off x="1452059" y="3167279"/>
+            <a:ext cx="1" cy="332816"/>
+          </a:xfrm>
+          <a:prstGeom prst="straightConnector1">
+            <a:avLst/>
+          </a:prstGeom>
+          <a:ln w="38100">
+            <a:tailEnd type="triangle"/>
+          </a:ln>
+        </p:spPr>
+        <p:style>
+          <a:lnRef idx="1">
+            <a:schemeClr val="accent1"/>
+          </a:lnRef>
+          <a:fillRef idx="0">
+            <a:schemeClr val="accent1"/>
+          </a:fillRef>
+          <a:effectRef idx="0">
+            <a:schemeClr val="accent1"/>
+          </a:effectRef>
+          <a:fontRef idx="minor">
+            <a:schemeClr val="tx1"/>
+          </a:fontRef>
+        </p:style>
+      </p:cxnSp>
+      <p:cxnSp>
+        <p:nvCxnSpPr>
+          <p:cNvPr id="112" name="직선 화살표 연결선 111">
+            <a:extLst>
+              <a:ext uri="{FF2B5EF4-FFF2-40B4-BE49-F238E27FC236}">
+                <a16:creationId xmlns:a16="http://schemas.microsoft.com/office/drawing/2014/main" id="{7F4188D0-3358-4E7C-B3BA-80B5C1CEA7EF}"/>
+              </a:ext>
+            </a:extLst>
+          </p:cNvPr>
+          <p:cNvCxnSpPr>
+            <a:cxnSpLocks/>
+          </p:cNvCxnSpPr>
+          <p:nvPr/>
+        </p:nvCxnSpPr>
+        <p:spPr>
+          <a:xfrm flipH="1">
+            <a:off x="7405130" y="1917042"/>
+            <a:ext cx="1409440" cy="0"/>
+          </a:xfrm>
+          <a:prstGeom prst="straightConnector1">
+            <a:avLst/>
+          </a:prstGeom>
+          <a:ln w="38100">
+            <a:solidFill>
+              <a:schemeClr val="accent2">
+                <a:lumMod val="75000"/>
+              </a:schemeClr>
+            </a:solidFill>
+            <a:prstDash val="dash"/>
+            <a:tailEnd type="triangle"/>
+          </a:ln>
+        </p:spPr>
+        <p:style>
+          <a:lnRef idx="1">
+            <a:schemeClr val="accent1"/>
+          </a:lnRef>
+          <a:fillRef idx="0">
+            <a:schemeClr val="accent1"/>
+          </a:fillRef>
+          <a:effectRef idx="0">
+            <a:schemeClr val="accent1"/>
+          </a:effectRef>
+          <a:fontRef idx="minor">
+            <a:schemeClr val="tx1"/>
+          </a:fontRef>
+        </p:style>
+      </p:cxnSp>
+      <p:cxnSp>
+        <p:nvCxnSpPr>
+          <p:cNvPr id="144" name="직선 화살표 연결선 143">
+            <a:extLst>
+              <a:ext uri="{FF2B5EF4-FFF2-40B4-BE49-F238E27FC236}">
+                <a16:creationId xmlns:a16="http://schemas.microsoft.com/office/drawing/2014/main" id="{379703D8-013C-4870-9020-101E6683A7D9}"/>
+              </a:ext>
+            </a:extLst>
+          </p:cNvPr>
+          <p:cNvCxnSpPr>
+            <a:cxnSpLocks/>
+          </p:cNvCxnSpPr>
+          <p:nvPr/>
+        </p:nvCxnSpPr>
+        <p:spPr>
+          <a:xfrm>
+            <a:off x="9942046" y="1363122"/>
+            <a:ext cx="0" cy="324268"/>
+          </a:xfrm>
+          <a:prstGeom prst="straightConnector1">
+            <a:avLst/>
+          </a:prstGeom>
+          <a:ln w="38100">
+            <a:tailEnd type="triangle"/>
+          </a:ln>
+        </p:spPr>
+        <p:style>
+          <a:lnRef idx="1">
+            <a:schemeClr val="accent1"/>
+          </a:lnRef>
+          <a:fillRef idx="0">
+            <a:schemeClr val="accent1"/>
+          </a:fillRef>
+          <a:effectRef idx="0">
+            <a:schemeClr val="accent1"/>
+          </a:effectRef>
+          <a:fontRef idx="minor">
+            <a:schemeClr val="tx1"/>
+          </a:fontRef>
+        </p:style>
+      </p:cxnSp>
+      <p:sp>
+        <p:nvSpPr>
+          <p:cNvPr id="55" name="사각형: 둥근 모서리 54">
+            <a:extLst>
+              <a:ext uri="{FF2B5EF4-FFF2-40B4-BE49-F238E27FC236}">
+                <a16:creationId xmlns:a16="http://schemas.microsoft.com/office/drawing/2014/main" id="{B92822E3-B48F-4E19-913E-09B4357EDF9D}"/>
+              </a:ext>
+            </a:extLst>
+          </p:cNvPr>
+          <p:cNvSpPr/>
+          <p:nvPr/>
+        </p:nvSpPr>
+        <p:spPr>
+          <a:xfrm>
+            <a:off x="8803433" y="4055994"/>
+            <a:ext cx="2499656" cy="586066"/>
+          </a:xfrm>
+          <a:prstGeom prst="roundRect">
+            <a:avLst>
+              <a:gd name="adj" fmla="val 0"/>
+            </a:avLst>
+          </a:prstGeom>
+          <a:solidFill>
+            <a:schemeClr val="accent4">
+              <a:lumMod val="40000"/>
+              <a:lumOff val="60000"/>
+            </a:schemeClr>
+          </a:solidFill>
+        </p:spPr>
+        <p:style>
+          <a:lnRef idx="2">
+            <a:schemeClr val="accent1">
+              <a:shade val="50000"/>
+            </a:schemeClr>
+          </a:lnRef>
+          <a:fillRef idx="1">
+            <a:schemeClr val="accent1"/>
+          </a:fillRef>
+          <a:effectRef idx="0">
+            <a:schemeClr val="accent1"/>
+          </a:effectRef>
+          <a:fontRef idx="minor">
+            <a:schemeClr val="lt1"/>
+          </a:fontRef>
+        </p:style>
+        <p:txBody>
+          <a:bodyPr rtlCol="0" anchor="ctr"/>
+          <a:lstStyle/>
+          <a:p>
+            <a:pPr algn="ctr"/>
+            <a:r>
+              <a:rPr lang="ko-KR" altLang="en-US" b="1" dirty="0">
+                <a:solidFill>
+                  <a:schemeClr val="tx1"/>
+                </a:solidFill>
+              </a:rPr>
+              <a:t>구독 관리</a:t>
+            </a:r>
+          </a:p>
+        </p:txBody>
+      </p:sp>
+      <p:cxnSp>
+        <p:nvCxnSpPr>
+          <p:cNvPr id="182" name="연결선: 꺾임 181">
+            <a:extLst>
+              <a:ext uri="{FF2B5EF4-FFF2-40B4-BE49-F238E27FC236}">
+                <a16:creationId xmlns:a16="http://schemas.microsoft.com/office/drawing/2014/main" id="{2142B5FC-C878-42E0-81B2-F7C94B665F73}"/>
+              </a:ext>
+            </a:extLst>
+          </p:cNvPr>
+          <p:cNvCxnSpPr>
+            <a:cxnSpLocks/>
+          </p:cNvCxnSpPr>
+          <p:nvPr/>
+        </p:nvCxnSpPr>
+        <p:spPr>
+          <a:xfrm>
+            <a:off x="1461432" y="4115137"/>
+            <a:ext cx="6919737" cy="644340"/>
+          </a:xfrm>
+          <a:prstGeom prst="bentConnector3">
+            <a:avLst>
+              <a:gd name="adj1" fmla="val 122"/>
+            </a:avLst>
+          </a:prstGeom>
+          <a:ln w="38100">
+            <a:solidFill>
+              <a:schemeClr val="accent2">
+                <a:lumMod val="75000"/>
+              </a:schemeClr>
+            </a:solidFill>
+            <a:prstDash val="dash"/>
+            <a:tailEnd type="triangle"/>
+          </a:ln>
+        </p:spPr>
+        <p:style>
+          <a:lnRef idx="1">
+            <a:schemeClr val="accent1"/>
+          </a:lnRef>
+          <a:fillRef idx="0">
+            <a:schemeClr val="accent1"/>
+          </a:fillRef>
+          <a:effectRef idx="0">
+            <a:schemeClr val="accent1"/>
+          </a:effectRef>
+          <a:fontRef idx="minor">
+            <a:schemeClr val="tx1"/>
+          </a:fontRef>
+        </p:style>
+      </p:cxnSp>
+      <p:grpSp>
+        <p:nvGrpSpPr>
+          <p:cNvPr id="212" name="그룹 211">
+            <a:extLst>
+              <a:ext uri="{FF2B5EF4-FFF2-40B4-BE49-F238E27FC236}">
+                <a16:creationId xmlns:a16="http://schemas.microsoft.com/office/drawing/2014/main" id="{195D90B1-CC36-43E2-B9B0-CF4F5B093445}"/>
+              </a:ext>
+            </a:extLst>
+          </p:cNvPr>
+          <p:cNvGrpSpPr/>
+          <p:nvPr/>
+        </p:nvGrpSpPr>
+        <p:grpSpPr>
+          <a:xfrm>
+            <a:off x="439271" y="5197338"/>
+            <a:ext cx="3234085" cy="1477508"/>
+            <a:chOff x="8378924" y="5083918"/>
+            <a:chExt cx="3252430" cy="1495944"/>
+          </a:xfrm>
+        </p:grpSpPr>
+        <p:sp>
+          <p:nvSpPr>
+            <p:cNvPr id="178" name="사각형: 둥근 모서리 177">
+              <a:extLst>
+                <a:ext uri="{FF2B5EF4-FFF2-40B4-BE49-F238E27FC236}">
+                  <a16:creationId xmlns:a16="http://schemas.microsoft.com/office/drawing/2014/main" id="{D97B9A67-9E07-40E1-81AE-2C657FA6CAB0}"/>
+                </a:ext>
+              </a:extLst>
+            </p:cNvPr>
+            <p:cNvSpPr/>
+            <p:nvPr/>
+          </p:nvSpPr>
+          <p:spPr>
+            <a:xfrm>
+              <a:off x="8378924" y="5083918"/>
+              <a:ext cx="3252430" cy="1495944"/>
+            </a:xfrm>
+            <a:prstGeom prst="roundRect">
+              <a:avLst>
+                <a:gd name="adj" fmla="val 0"/>
+              </a:avLst>
+            </a:prstGeom>
+            <a:solidFill>
+              <a:schemeClr val="accent6">
+                <a:lumMod val="20000"/>
+                <a:lumOff val="80000"/>
+              </a:schemeClr>
+            </a:solidFill>
+            <a:ln w="19050"/>
+          </p:spPr>
+          <p:style>
+            <a:lnRef idx="2">
+              <a:schemeClr val="accent1">
+                <a:shade val="50000"/>
+              </a:schemeClr>
+            </a:lnRef>
+            <a:fillRef idx="1">
+              <a:schemeClr val="accent1"/>
+            </a:fillRef>
+            <a:effectRef idx="0">
+              <a:schemeClr val="accent1"/>
+            </a:effectRef>
+            <a:fontRef idx="minor">
+              <a:schemeClr val="lt1"/>
+            </a:fontRef>
+          </p:style>
+          <p:txBody>
+            <a:bodyPr rtlCol="0" anchor="ctr"/>
+            <a:lstStyle/>
+            <a:p>
+              <a:pPr algn="ctr"/>
+              <a:endParaRPr lang="ko-KR" altLang="en-US" b="1"/>
+            </a:p>
+          </p:txBody>
+        </p:sp>
+        <p:cxnSp>
+          <p:nvCxnSpPr>
+            <p:cNvPr id="173" name="직선 화살표 연결선 172">
+              <a:extLst>
+                <a:ext uri="{FF2B5EF4-FFF2-40B4-BE49-F238E27FC236}">
+                  <a16:creationId xmlns:a16="http://schemas.microsoft.com/office/drawing/2014/main" id="{757193A4-BFB1-4961-9309-D677D0F0F9B4}"/>
+                </a:ext>
+              </a:extLst>
+            </p:cNvPr>
+            <p:cNvCxnSpPr>
+              <a:cxnSpLocks/>
+            </p:cNvCxnSpPr>
+            <p:nvPr/>
+          </p:nvCxnSpPr>
+          <p:spPr>
+            <a:xfrm>
+              <a:off x="9962597" y="5494878"/>
+              <a:ext cx="1497198" cy="0"/>
+            </a:xfrm>
+            <a:prstGeom prst="straightConnector1">
+              <a:avLst/>
+            </a:prstGeom>
+            <a:ln w="38100">
+              <a:tailEnd type="triangle"/>
+            </a:ln>
+          </p:spPr>
+          <p:style>
+            <a:lnRef idx="1">
+              <a:schemeClr val="accent1"/>
+            </a:lnRef>
+            <a:fillRef idx="0">
+              <a:schemeClr val="accent1"/>
+            </a:fillRef>
+            <a:effectRef idx="0">
+              <a:schemeClr val="accent1"/>
+            </a:effectRef>
+            <a:fontRef idx="minor">
+              <a:schemeClr val="tx1"/>
+            </a:fontRef>
+          </p:style>
+        </p:cxnSp>
+        <p:cxnSp>
+          <p:nvCxnSpPr>
+            <p:cNvPr id="175" name="직선 화살표 연결선 174">
+              <a:extLst>
+                <a:ext uri="{FF2B5EF4-FFF2-40B4-BE49-F238E27FC236}">
+                  <a16:creationId xmlns:a16="http://schemas.microsoft.com/office/drawing/2014/main" id="{9518C44C-E542-457D-A0B0-8C91B4642B86}"/>
+                </a:ext>
+              </a:extLst>
+            </p:cNvPr>
+            <p:cNvCxnSpPr>
+              <a:cxnSpLocks/>
+            </p:cNvCxnSpPr>
+            <p:nvPr/>
+          </p:nvCxnSpPr>
+          <p:spPr>
+            <a:xfrm>
+              <a:off x="9962597" y="5892349"/>
+              <a:ext cx="1497198" cy="0"/>
+            </a:xfrm>
+            <a:prstGeom prst="straightConnector1">
+              <a:avLst/>
+            </a:prstGeom>
+            <a:ln w="38100">
+              <a:solidFill>
+                <a:schemeClr val="accent2">
+                  <a:lumMod val="75000"/>
+                </a:schemeClr>
+              </a:solidFill>
+              <a:prstDash val="dash"/>
+              <a:tailEnd type="triangle"/>
+            </a:ln>
+          </p:spPr>
+          <p:style>
+            <a:lnRef idx="1">
+              <a:schemeClr val="accent1"/>
+            </a:lnRef>
+            <a:fillRef idx="0">
+              <a:schemeClr val="accent1"/>
+            </a:fillRef>
+            <a:effectRef idx="0">
+              <a:schemeClr val="accent1"/>
+            </a:effectRef>
+            <a:fontRef idx="minor">
+              <a:schemeClr val="tx1"/>
+            </a:fontRef>
+          </p:style>
+        </p:cxnSp>
+        <p:sp>
+          <p:nvSpPr>
+            <p:cNvPr id="177" name="TextBox 176">
+              <a:extLst>
+                <a:ext uri="{FF2B5EF4-FFF2-40B4-BE49-F238E27FC236}">
+                  <a16:creationId xmlns:a16="http://schemas.microsoft.com/office/drawing/2014/main" id="{C10E12B9-E1AA-4C41-AF20-EC316AB8A5AE}"/>
+                </a:ext>
+              </a:extLst>
+            </p:cNvPr>
+            <p:cNvSpPr txBox="1"/>
+            <p:nvPr/>
+          </p:nvSpPr>
+          <p:spPr>
+            <a:xfrm>
+              <a:off x="8490320" y="5195932"/>
+              <a:ext cx="1428640" cy="1301326"/>
+            </a:xfrm>
+            <a:prstGeom prst="rect">
+              <a:avLst/>
+            </a:prstGeom>
+            <a:noFill/>
+          </p:spPr>
+          <p:txBody>
+            <a:bodyPr wrap="none" rtlCol="0">
+              <a:spAutoFit/>
+            </a:bodyPr>
+            <a:lstStyle/>
+            <a:p>
+              <a:pPr>
+                <a:lnSpc>
+                  <a:spcPct val="150000"/>
+                </a:lnSpc>
+              </a:pPr>
+              <a:r>
+                <a:rPr lang="ko-KR" altLang="en-US" b="1" dirty="0"/>
+                <a:t>페이지 이동</a:t>
+              </a:r>
+              <a:endParaRPr lang="en-US" altLang="ko-KR" b="1" dirty="0"/>
+            </a:p>
+            <a:p>
+              <a:pPr>
+                <a:lnSpc>
+                  <a:spcPct val="150000"/>
+                </a:lnSpc>
+              </a:pPr>
+              <a:r>
+                <a:rPr lang="ko-KR" altLang="en-US" b="1" dirty="0"/>
+                <a:t>데이터 이동</a:t>
+              </a:r>
+              <a:endParaRPr lang="en-US" altLang="ko-KR" b="1" dirty="0"/>
+            </a:p>
+            <a:p>
+              <a:pPr>
+                <a:lnSpc>
+                  <a:spcPct val="150000"/>
+                </a:lnSpc>
+              </a:pPr>
+              <a:r>
+                <a:rPr lang="ko-KR" altLang="en-US" b="1" dirty="0"/>
+                <a:t>서버 이동</a:t>
+              </a:r>
+            </a:p>
+          </p:txBody>
+        </p:sp>
+        <p:cxnSp>
+          <p:nvCxnSpPr>
+            <p:cNvPr id="200" name="직선 화살표 연결선 199">
+              <a:extLst>
+                <a:ext uri="{FF2B5EF4-FFF2-40B4-BE49-F238E27FC236}">
+                  <a16:creationId xmlns:a16="http://schemas.microsoft.com/office/drawing/2014/main" id="{BCF79585-86F6-4690-A05A-6A8A8A4142E8}"/>
+                </a:ext>
+              </a:extLst>
+            </p:cNvPr>
+            <p:cNvCxnSpPr>
+              <a:cxnSpLocks/>
+            </p:cNvCxnSpPr>
+            <p:nvPr/>
+          </p:nvCxnSpPr>
+          <p:spPr>
+            <a:xfrm>
+              <a:off x="9940420" y="6292737"/>
+              <a:ext cx="1497198" cy="0"/>
+            </a:xfrm>
+            <a:prstGeom prst="straightConnector1">
+              <a:avLst/>
+            </a:prstGeom>
+            <a:ln w="38100">
+              <a:solidFill>
+                <a:srgbClr val="883EC6"/>
+              </a:solidFill>
+              <a:tailEnd type="triangle"/>
+            </a:ln>
+          </p:spPr>
+          <p:style>
+            <a:lnRef idx="1">
+              <a:schemeClr val="accent1"/>
+            </a:lnRef>
+            <a:fillRef idx="0">
+              <a:schemeClr val="accent1"/>
+            </a:fillRef>
+            <a:effectRef idx="0">
+              <a:schemeClr val="accent1"/>
+            </a:effectRef>
+            <a:fontRef idx="minor">
+              <a:schemeClr val="tx1"/>
+            </a:fontRef>
+          </p:style>
+        </p:cxnSp>
+      </p:grpSp>
+      <p:sp>
+        <p:nvSpPr>
+          <p:cNvPr id="201" name="사각형: 둥근 모서리 200">
+            <a:extLst>
+              <a:ext uri="{FF2B5EF4-FFF2-40B4-BE49-F238E27FC236}">
+                <a16:creationId xmlns:a16="http://schemas.microsoft.com/office/drawing/2014/main" id="{99E6AFB7-3B14-4C62-8D5F-77B30B3C96C4}"/>
+              </a:ext>
+            </a:extLst>
+          </p:cNvPr>
+          <p:cNvSpPr/>
+          <p:nvPr/>
+        </p:nvSpPr>
+        <p:spPr>
+          <a:xfrm>
+            <a:off x="4603696" y="3574062"/>
+            <a:ext cx="3139987" cy="898871"/>
+          </a:xfrm>
+          <a:prstGeom prst="roundRect">
+            <a:avLst>
+              <a:gd name="adj" fmla="val 0"/>
+            </a:avLst>
+          </a:prstGeom>
+          <a:solidFill>
+            <a:schemeClr val="bg2"/>
+          </a:solidFill>
+        </p:spPr>
+        <p:style>
+          <a:lnRef idx="2">
+            <a:schemeClr val="accent1">
+              <a:shade val="50000"/>
+            </a:schemeClr>
+          </a:lnRef>
+          <a:fillRef idx="1">
+            <a:schemeClr val="accent1"/>
+          </a:fillRef>
+          <a:effectRef idx="0">
+            <a:schemeClr val="accent1"/>
+          </a:effectRef>
+          <a:fontRef idx="minor">
+            <a:schemeClr val="lt1"/>
+          </a:fontRef>
+        </p:style>
+        <p:txBody>
+          <a:bodyPr rtlCol="0" anchor="ctr"/>
+          <a:lstStyle/>
+          <a:p>
+            <a:pPr algn="ctr"/>
+            <a:endParaRPr lang="ko-KR" altLang="en-US" b="1"/>
+          </a:p>
+        </p:txBody>
+      </p:sp>
+      <p:sp>
+        <p:nvSpPr>
+          <p:cNvPr id="202" name="사각형: 둥근 모서리 201">
+            <a:extLst>
+              <a:ext uri="{FF2B5EF4-FFF2-40B4-BE49-F238E27FC236}">
+                <a16:creationId xmlns:a16="http://schemas.microsoft.com/office/drawing/2014/main" id="{B9814F71-F282-4666-96BF-20176C5F1730}"/>
+              </a:ext>
+            </a:extLst>
+          </p:cNvPr>
+          <p:cNvSpPr/>
+          <p:nvPr/>
+        </p:nvSpPr>
+        <p:spPr>
+          <a:xfrm>
+            <a:off x="5009162" y="3733023"/>
+            <a:ext cx="2348134" cy="586066"/>
+          </a:xfrm>
+          <a:prstGeom prst="roundRect">
+            <a:avLst>
+              <a:gd name="adj" fmla="val 0"/>
+            </a:avLst>
+          </a:prstGeom>
+          <a:solidFill>
+            <a:schemeClr val="accent4">
+              <a:lumMod val="40000"/>
+              <a:lumOff val="60000"/>
+            </a:schemeClr>
+          </a:solidFill>
+        </p:spPr>
+        <p:style>
+          <a:lnRef idx="2">
+            <a:schemeClr val="accent1">
+              <a:shade val="50000"/>
+            </a:schemeClr>
+          </a:lnRef>
+          <a:fillRef idx="1">
+            <a:schemeClr val="accent1"/>
+          </a:fillRef>
+          <a:effectRef idx="0">
+            <a:schemeClr val="accent1"/>
+          </a:effectRef>
+          <a:fontRef idx="minor">
+            <a:schemeClr val="lt1"/>
+          </a:fontRef>
+        </p:style>
+        <p:txBody>
+          <a:bodyPr rtlCol="0" anchor="ctr"/>
+          <a:lstStyle/>
+          <a:p>
+            <a:pPr algn="ctr"/>
+            <a:r>
+              <a:rPr lang="ko-KR" altLang="en-US" b="1" dirty="0">
+                <a:solidFill>
+                  <a:schemeClr val="tx1"/>
+                </a:solidFill>
+              </a:rPr>
+              <a:t>결제 내역 관리</a:t>
+            </a:r>
+            <a:endParaRPr lang="ko-KR" altLang="en-US" sz="1400" b="1" dirty="0">
+              <a:solidFill>
+                <a:schemeClr val="tx1"/>
+              </a:solidFill>
+            </a:endParaRPr>
+          </a:p>
+        </p:txBody>
+      </p:sp>
+      <p:sp>
+        <p:nvSpPr>
+          <p:cNvPr id="222" name="사각형: 둥근 모서리 221">
+            <a:extLst>
+              <a:ext uri="{FF2B5EF4-FFF2-40B4-BE49-F238E27FC236}">
+                <a16:creationId xmlns:a16="http://schemas.microsoft.com/office/drawing/2014/main" id="{7104A600-493D-4045-92AC-799B21F3CF60}"/>
+              </a:ext>
+            </a:extLst>
+          </p:cNvPr>
+          <p:cNvSpPr/>
+          <p:nvPr/>
+        </p:nvSpPr>
+        <p:spPr>
+          <a:xfrm>
+            <a:off x="8784037" y="4927579"/>
+            <a:ext cx="2519051" cy="586066"/>
+          </a:xfrm>
+          <a:prstGeom prst="roundRect">
+            <a:avLst>
+              <a:gd name="adj" fmla="val 0"/>
+            </a:avLst>
+          </a:prstGeom>
+          <a:solidFill>
+            <a:schemeClr val="accent4">
+              <a:lumMod val="40000"/>
+              <a:lumOff val="60000"/>
+            </a:schemeClr>
+          </a:solidFill>
+        </p:spPr>
+        <p:style>
+          <a:lnRef idx="2">
+            <a:schemeClr val="accent1">
+              <a:shade val="50000"/>
+            </a:schemeClr>
+          </a:lnRef>
+          <a:fillRef idx="1">
+            <a:schemeClr val="accent1"/>
+          </a:fillRef>
+          <a:effectRef idx="0">
+            <a:schemeClr val="accent1"/>
+          </a:effectRef>
+          <a:fontRef idx="minor">
+            <a:schemeClr val="lt1"/>
+          </a:fontRef>
+        </p:style>
+        <p:txBody>
+          <a:bodyPr rtlCol="0" anchor="ctr"/>
+          <a:lstStyle/>
+          <a:p>
+            <a:pPr algn="ctr"/>
+            <a:r>
+              <a:rPr lang="ko-KR" altLang="en-US" b="1" dirty="0">
+                <a:solidFill>
+                  <a:schemeClr val="tx1"/>
+                </a:solidFill>
+              </a:rPr>
+              <a:t>누적 매출 정산</a:t>
+            </a:r>
+          </a:p>
+        </p:txBody>
+      </p:sp>
+      <p:sp>
+        <p:nvSpPr>
+          <p:cNvPr id="44" name="사각형: 둥근 모서리 43">
+            <a:extLst>
+              <a:ext uri="{FF2B5EF4-FFF2-40B4-BE49-F238E27FC236}">
+                <a16:creationId xmlns:a16="http://schemas.microsoft.com/office/drawing/2014/main" id="{11B164FA-757B-482D-BCEC-DC2DE3E4FAFE}"/>
+              </a:ext>
+            </a:extLst>
+          </p:cNvPr>
+          <p:cNvSpPr/>
+          <p:nvPr/>
+        </p:nvSpPr>
+        <p:spPr>
+          <a:xfrm>
+            <a:off x="2501042" y="1655111"/>
+            <a:ext cx="1221323" cy="586066"/>
+          </a:xfrm>
+          <a:prstGeom prst="roundRect">
+            <a:avLst>
+              <a:gd name="adj" fmla="val 0"/>
+            </a:avLst>
+          </a:prstGeom>
+          <a:solidFill>
+            <a:schemeClr val="accent4">
+              <a:lumMod val="40000"/>
+              <a:lumOff val="60000"/>
+            </a:schemeClr>
+          </a:solidFill>
+        </p:spPr>
+        <p:style>
+          <a:lnRef idx="2">
+            <a:schemeClr val="accent1">
+              <a:shade val="50000"/>
+            </a:schemeClr>
+          </a:lnRef>
+          <a:fillRef idx="1">
+            <a:schemeClr val="accent1"/>
+          </a:fillRef>
+          <a:effectRef idx="0">
+            <a:schemeClr val="accent1"/>
+          </a:effectRef>
+          <a:fontRef idx="minor">
+            <a:schemeClr val="lt1"/>
+          </a:fontRef>
+        </p:style>
+        <p:txBody>
+          <a:bodyPr rtlCol="0" anchor="ctr"/>
+          <a:lstStyle/>
+          <a:p>
+            <a:pPr algn="ctr"/>
+            <a:r>
+              <a:rPr lang="ko-KR" altLang="en-US" sz="1600" b="1" dirty="0">
+                <a:solidFill>
+                  <a:schemeClr val="tx1"/>
+                </a:solidFill>
+              </a:rPr>
+              <a:t>마이페이지</a:t>
+            </a:r>
+          </a:p>
+        </p:txBody>
+      </p:sp>
+      <p:cxnSp>
+        <p:nvCxnSpPr>
+          <p:cNvPr id="240" name="직선 화살표 연결선 239">
+            <a:extLst>
+              <a:ext uri="{FF2B5EF4-FFF2-40B4-BE49-F238E27FC236}">
+                <a16:creationId xmlns:a16="http://schemas.microsoft.com/office/drawing/2014/main" id="{CAA7C93C-72C0-49D2-BB2D-8659BFBD7D82}"/>
+              </a:ext>
+            </a:extLst>
+          </p:cNvPr>
+          <p:cNvCxnSpPr>
+            <a:cxnSpLocks/>
+          </p:cNvCxnSpPr>
+          <p:nvPr/>
+        </p:nvCxnSpPr>
+        <p:spPr>
+          <a:xfrm>
+            <a:off x="2076671" y="3884081"/>
+            <a:ext cx="2960376" cy="0"/>
+          </a:xfrm>
+          <a:prstGeom prst="straightConnector1">
+            <a:avLst/>
+          </a:prstGeom>
+          <a:ln w="38100">
+            <a:solidFill>
+              <a:schemeClr val="accent2">
+                <a:lumMod val="75000"/>
+              </a:schemeClr>
+            </a:solidFill>
+            <a:prstDash val="dash"/>
+            <a:tailEnd type="triangle"/>
+          </a:ln>
+        </p:spPr>
+        <p:style>
+          <a:lnRef idx="1">
+            <a:schemeClr val="accent1"/>
+          </a:lnRef>
+          <a:fillRef idx="0">
+            <a:schemeClr val="accent1"/>
+          </a:fillRef>
+          <a:effectRef idx="0">
+            <a:schemeClr val="accent1"/>
+          </a:effectRef>
+          <a:fontRef idx="minor">
+            <a:schemeClr val="tx1"/>
+          </a:fontRef>
+        </p:style>
+      </p:cxnSp>
+      <p:cxnSp>
+        <p:nvCxnSpPr>
+          <p:cNvPr id="252" name="직선 화살표 연결선 251">
+            <a:extLst>
+              <a:ext uri="{FF2B5EF4-FFF2-40B4-BE49-F238E27FC236}">
+                <a16:creationId xmlns:a16="http://schemas.microsoft.com/office/drawing/2014/main" id="{7E48CED8-CACF-4B1E-9313-B2F64B20065B}"/>
+              </a:ext>
+            </a:extLst>
+          </p:cNvPr>
+          <p:cNvCxnSpPr>
+            <a:cxnSpLocks/>
+          </p:cNvCxnSpPr>
+          <p:nvPr/>
+        </p:nvCxnSpPr>
+        <p:spPr>
+          <a:xfrm flipH="1">
+            <a:off x="7374598" y="3132972"/>
+            <a:ext cx="1409440" cy="0"/>
+          </a:xfrm>
+          <a:prstGeom prst="straightConnector1">
+            <a:avLst/>
+          </a:prstGeom>
+          <a:ln w="38100">
+            <a:solidFill>
+              <a:schemeClr val="accent2">
+                <a:lumMod val="75000"/>
+              </a:schemeClr>
+            </a:solidFill>
+            <a:prstDash val="dash"/>
+            <a:tailEnd type="triangle"/>
+          </a:ln>
+        </p:spPr>
+        <p:style>
+          <a:lnRef idx="1">
+            <a:schemeClr val="accent1"/>
+          </a:lnRef>
+          <a:fillRef idx="0">
+            <a:schemeClr val="accent1"/>
+          </a:fillRef>
+          <a:effectRef idx="0">
+            <a:schemeClr val="accent1"/>
+          </a:effectRef>
+          <a:fontRef idx="minor">
+            <a:schemeClr val="tx1"/>
+          </a:fontRef>
+        </p:style>
+      </p:cxnSp>
+      <p:grpSp>
+        <p:nvGrpSpPr>
+          <p:cNvPr id="257" name="그룹 256">
+            <a:extLst>
+              <a:ext uri="{FF2B5EF4-FFF2-40B4-BE49-F238E27FC236}">
+                <a16:creationId xmlns:a16="http://schemas.microsoft.com/office/drawing/2014/main" id="{1290E7DA-B34A-4936-9421-17499C07E634}"/>
+              </a:ext>
+            </a:extLst>
+          </p:cNvPr>
+          <p:cNvGrpSpPr/>
+          <p:nvPr/>
+        </p:nvGrpSpPr>
+        <p:grpSpPr>
+          <a:xfrm>
+            <a:off x="3102735" y="627530"/>
+            <a:ext cx="6472814" cy="206453"/>
+            <a:chOff x="3111703" y="627530"/>
+            <a:chExt cx="6472814" cy="206453"/>
+          </a:xfrm>
+        </p:grpSpPr>
+        <p:cxnSp>
+          <p:nvCxnSpPr>
+            <p:cNvPr id="191" name="연결선: 꺾임 190">
+              <a:extLst>
+                <a:ext uri="{FF2B5EF4-FFF2-40B4-BE49-F238E27FC236}">
+                  <a16:creationId xmlns:a16="http://schemas.microsoft.com/office/drawing/2014/main" id="{8396E3C5-0C40-4F7A-8D49-EC81374A056C}"/>
+                </a:ext>
+              </a:extLst>
+            </p:cNvPr>
+            <p:cNvCxnSpPr>
+              <a:cxnSpLocks/>
+            </p:cNvCxnSpPr>
+            <p:nvPr/>
+          </p:nvCxnSpPr>
+          <p:spPr>
+            <a:xfrm flipV="1">
+              <a:off x="3111703" y="797247"/>
+              <a:ext cx="6472814" cy="2"/>
+            </a:xfrm>
+            <a:prstGeom prst="bentConnector4">
+              <a:avLst>
+                <a:gd name="adj1" fmla="val 331"/>
+                <a:gd name="adj2" fmla="val 11430100000"/>
+              </a:avLst>
+            </a:prstGeom>
+            <a:ln w="38100">
+              <a:solidFill>
+                <a:srgbClr val="883EC6"/>
+              </a:solidFill>
+              <a:tailEnd type="triangle"/>
+            </a:ln>
+          </p:spPr>
+          <p:style>
+            <a:lnRef idx="1">
+              <a:schemeClr val="accent1"/>
+            </a:lnRef>
+            <a:fillRef idx="0">
+              <a:schemeClr val="accent1"/>
+            </a:fillRef>
+            <a:effectRef idx="0">
+              <a:schemeClr val="accent1"/>
+            </a:effectRef>
+            <a:fontRef idx="minor">
+              <a:schemeClr val="tx1"/>
+            </a:fontRef>
+          </p:style>
+        </p:cxnSp>
+        <p:cxnSp>
+          <p:nvCxnSpPr>
+            <p:cNvPr id="256" name="직선 화살표 연결선 255">
+              <a:extLst>
+                <a:ext uri="{FF2B5EF4-FFF2-40B4-BE49-F238E27FC236}">
+                  <a16:creationId xmlns:a16="http://schemas.microsoft.com/office/drawing/2014/main" id="{FFEC1100-CBEE-4AA3-8170-4F96BF9A34F1}"/>
+                </a:ext>
+              </a:extLst>
+            </p:cNvPr>
+            <p:cNvCxnSpPr/>
+            <p:nvPr/>
+          </p:nvCxnSpPr>
+          <p:spPr>
+            <a:xfrm>
+              <a:off x="3129633" y="627530"/>
+              <a:ext cx="0" cy="206453"/>
+            </a:xfrm>
+            <a:prstGeom prst="straightConnector1">
+              <a:avLst/>
+            </a:prstGeom>
+            <a:ln w="38100">
+              <a:solidFill>
+                <a:srgbClr val="883EC6"/>
+              </a:solidFill>
+              <a:tailEnd type="triangle"/>
+            </a:ln>
+          </p:spPr>
+          <p:style>
+            <a:lnRef idx="1">
+              <a:schemeClr val="accent1"/>
+            </a:lnRef>
+            <a:fillRef idx="0">
+              <a:schemeClr val="accent1"/>
+            </a:fillRef>
+            <a:effectRef idx="0">
+              <a:schemeClr val="accent1"/>
+            </a:effectRef>
+            <a:fontRef idx="minor">
+              <a:schemeClr val="tx1"/>
+            </a:fontRef>
+          </p:style>
+        </p:cxnSp>
+      </p:grpSp>
+    </p:spTree>
+    <p:extLst>
+      <p:ext uri="{BB962C8B-B14F-4D97-AF65-F5344CB8AC3E}">
+        <p14:creationId xmlns:p14="http://schemas.microsoft.com/office/powerpoint/2010/main" val="813336428"/>
+      </p:ext>
+    </p:extLst>
+  </p:cSld>
+  <p:clrMapOvr>
+    <a:masterClrMapping/>
+  </p:clrMapOvr>
+</p:sld>
+</file>
+
+<file path=ppt/slides/slide6.xml><?xml version="1.0" encoding="utf-8"?>
+<p:sld xmlns:a="http://schemas.openxmlformats.org/drawingml/2006/main" xmlns:r="http://schemas.openxmlformats.org/officeDocument/2006/relationships" xmlns:p="http://schemas.openxmlformats.org/presentationml/2006/main">
+  <p:cSld>
+    <p:spTree>
+      <p:nvGrpSpPr>
+        <p:cNvPr id="1" name=""/>
+        <p:cNvGrpSpPr/>
+        <p:nvPr/>
+      </p:nvGrpSpPr>
+      <p:grpSpPr>
+        <a:xfrm>
+          <a:off x="0" y="0"/>
+          <a:ext cx="0" cy="0"/>
+          <a:chOff x="0" y="0"/>
+          <a:chExt cx="0" cy="0"/>
+        </a:xfrm>
+      </p:grpSpPr>
+      <p:sp>
+        <p:nvSpPr>
+          <p:cNvPr id="2" name="제목 1">
+            <a:extLst>
+              <a:ext uri="{FF2B5EF4-FFF2-40B4-BE49-F238E27FC236}">
+                <a16:creationId xmlns:a16="http://schemas.microsoft.com/office/drawing/2014/main" id="{EDD2F10B-90B6-4BA6-B4F8-467F51FBCA9D}"/>
+              </a:ext>
+            </a:extLst>
+          </p:cNvPr>
+          <p:cNvSpPr>
+            <a:spLocks noGrp="1"/>
+          </p:cNvSpPr>
+          <p:nvPr>
+            <p:ph type="title"/>
+          </p:nvPr>
+        </p:nvSpPr>
+        <p:spPr>
+          <a:xfrm>
+            <a:off x="0" y="0"/>
+            <a:ext cx="10515600" cy="1325563"/>
+          </a:xfrm>
+        </p:spPr>
+        <p:txBody>
+          <a:bodyPr/>
+          <a:lstStyle/>
+          <a:p>
+            <a:r>
+              <a:rPr lang="en-US" altLang="ko-KR" dirty="0"/>
+              <a:t> </a:t>
+            </a:r>
+            <a:r>
+              <a:rPr lang="ko-KR" altLang="en-US" dirty="0">
+                <a:latin typeface="양진체 " panose="02020503000000000000" pitchFamily="18" charset="-127"/>
+                <a:ea typeface="양진체 " panose="02020503000000000000" pitchFamily="18" charset="-127"/>
+              </a:rPr>
+              <a:t>팀원 소개</a:t>
+            </a:r>
+          </a:p>
+        </p:txBody>
+      </p:sp>
+      <p:sp>
+        <p:nvSpPr>
+          <p:cNvPr id="4" name="타원 3">
+            <a:extLst>
+              <a:ext uri="{FF2B5EF4-FFF2-40B4-BE49-F238E27FC236}">
+                <a16:creationId xmlns:a16="http://schemas.microsoft.com/office/drawing/2014/main" id="{FBF67575-ED7C-44BE-8DFD-67D710EC0BE6}"/>
+              </a:ext>
+            </a:extLst>
+          </p:cNvPr>
+          <p:cNvSpPr/>
+          <p:nvPr/>
+        </p:nvSpPr>
+        <p:spPr>
+          <a:xfrm>
+            <a:off x="1380565" y="1210234"/>
+            <a:ext cx="1918448" cy="1918448"/>
+          </a:xfrm>
+          <a:prstGeom prst="ellipse">
+            <a:avLst/>
+          </a:prstGeom>
+          <a:solidFill>
+            <a:schemeClr val="bg1">
+              <a:lumMod val="85000"/>
+            </a:schemeClr>
+          </a:solidFill>
+        </p:spPr>
+        <p:style>
+          <a:lnRef idx="2">
+            <a:schemeClr val="accent1">
+              <a:shade val="50000"/>
+            </a:schemeClr>
+          </a:lnRef>
+          <a:fillRef idx="1">
+            <a:schemeClr val="accent1"/>
+          </a:fillRef>
+          <a:effectRef idx="0">
+            <a:schemeClr val="accent1"/>
+          </a:effectRef>
+          <a:fontRef idx="minor">
+            <a:schemeClr val="lt1"/>
+          </a:fontRef>
+        </p:style>
+        <p:txBody>
+          <a:bodyPr rtlCol="0" anchor="ctr"/>
+          <a:lstStyle/>
+          <a:p>
+            <a:pPr algn="ctr"/>
+            <a:endParaRPr lang="ko-KR" altLang="en-US"/>
+          </a:p>
+        </p:txBody>
+      </p:sp>
+      <p:sp>
+        <p:nvSpPr>
+          <p:cNvPr id="5" name="타원 4">
+            <a:extLst>
+              <a:ext uri="{FF2B5EF4-FFF2-40B4-BE49-F238E27FC236}">
+                <a16:creationId xmlns:a16="http://schemas.microsoft.com/office/drawing/2014/main" id="{CB1C4B06-E2AC-45FE-A0E1-C56F7B5F0DAE}"/>
+              </a:ext>
+            </a:extLst>
+          </p:cNvPr>
+          <p:cNvSpPr/>
+          <p:nvPr/>
+        </p:nvSpPr>
+        <p:spPr>
+          <a:xfrm>
+            <a:off x="5096436" y="1268505"/>
+            <a:ext cx="1918448" cy="1918448"/>
+          </a:xfrm>
+          <a:prstGeom prst="ellipse">
+            <a:avLst/>
+          </a:prstGeom>
+          <a:solidFill>
+            <a:schemeClr val="bg1">
+              <a:lumMod val="85000"/>
+            </a:schemeClr>
+          </a:solidFill>
+        </p:spPr>
+        <p:style>
+          <a:lnRef idx="2">
+            <a:schemeClr val="accent1">
+              <a:shade val="50000"/>
+            </a:schemeClr>
+          </a:lnRef>
+          <a:fillRef idx="1">
+            <a:schemeClr val="accent1"/>
+          </a:fillRef>
+          <a:effectRef idx="0">
+            <a:schemeClr val="accent1"/>
+          </a:effectRef>
+          <a:fontRef idx="minor">
+            <a:schemeClr val="lt1"/>
+          </a:fontRef>
+        </p:style>
+        <p:txBody>
+          <a:bodyPr rtlCol="0" anchor="ctr"/>
+          <a:lstStyle/>
+          <a:p>
+            <a:pPr algn="ctr"/>
+            <a:endParaRPr lang="ko-KR" altLang="en-US"/>
+          </a:p>
+        </p:txBody>
+      </p:sp>
+      <p:sp>
+        <p:nvSpPr>
+          <p:cNvPr id="6" name="타원 5">
+            <a:extLst>
+              <a:ext uri="{FF2B5EF4-FFF2-40B4-BE49-F238E27FC236}">
+                <a16:creationId xmlns:a16="http://schemas.microsoft.com/office/drawing/2014/main" id="{C47BC652-CF27-4FFA-B54E-27744415DA17}"/>
+              </a:ext>
+            </a:extLst>
+          </p:cNvPr>
+          <p:cNvSpPr/>
+          <p:nvPr/>
+        </p:nvSpPr>
+        <p:spPr>
+          <a:xfrm>
+            <a:off x="8812307" y="1210234"/>
+            <a:ext cx="1918448" cy="1918448"/>
+          </a:xfrm>
+          <a:prstGeom prst="ellipse">
+            <a:avLst/>
+          </a:prstGeom>
+          <a:solidFill>
+            <a:schemeClr val="bg1">
+              <a:lumMod val="85000"/>
+            </a:schemeClr>
+          </a:solidFill>
+        </p:spPr>
+        <p:style>
+          <a:lnRef idx="2">
+            <a:schemeClr val="accent1">
+              <a:shade val="50000"/>
+            </a:schemeClr>
+          </a:lnRef>
+          <a:fillRef idx="1">
+            <a:schemeClr val="accent1"/>
+          </a:fillRef>
+          <a:effectRef idx="0">
+            <a:schemeClr val="accent1"/>
+          </a:effectRef>
+          <a:fontRef idx="minor">
+            <a:schemeClr val="lt1"/>
+          </a:fontRef>
+        </p:style>
+        <p:txBody>
+          <a:bodyPr rtlCol="0" anchor="ctr"/>
+          <a:lstStyle/>
+          <a:p>
+            <a:pPr algn="ctr"/>
+            <a:endParaRPr lang="ko-KR" altLang="en-US"/>
+          </a:p>
+        </p:txBody>
+      </p:sp>
+      <p:sp>
+        <p:nvSpPr>
+          <p:cNvPr id="7" name="TextBox 6">
+            <a:extLst>
+              <a:ext uri="{FF2B5EF4-FFF2-40B4-BE49-F238E27FC236}">
+                <a16:creationId xmlns:a16="http://schemas.microsoft.com/office/drawing/2014/main" id="{DADCF44C-9E42-454F-B0B7-6A62C6AB9ED3}"/>
+              </a:ext>
+            </a:extLst>
+          </p:cNvPr>
+          <p:cNvSpPr txBox="1"/>
+          <p:nvPr/>
+        </p:nvSpPr>
+        <p:spPr>
+          <a:xfrm>
+            <a:off x="1380565" y="3307803"/>
+            <a:ext cx="2476960" cy="2585323"/>
+          </a:xfrm>
+          <a:prstGeom prst="rect">
+            <a:avLst/>
+          </a:prstGeom>
+          <a:noFill/>
+        </p:spPr>
+        <p:txBody>
+          <a:bodyPr wrap="none" rtlCol="0">
+            <a:spAutoFit/>
+          </a:bodyPr>
+          <a:lstStyle/>
+          <a:p>
+            <a:r>
+              <a:rPr lang="en-US" altLang="ko-KR" b="1" dirty="0"/>
+              <a:t>Project</a:t>
+            </a:r>
+            <a:r>
+              <a:rPr lang="ko-KR" altLang="en-US" b="1" dirty="0"/>
+              <a:t> </a:t>
+            </a:r>
+            <a:r>
+              <a:rPr lang="en-US" altLang="ko-KR" b="1" dirty="0"/>
+              <a:t>leader</a:t>
+            </a:r>
+          </a:p>
+          <a:p>
+            <a:endParaRPr lang="en-US" altLang="ko-KR" b="1" dirty="0"/>
+          </a:p>
+          <a:p>
+            <a:r>
+              <a:rPr lang="ko-KR" altLang="en-US" b="1" dirty="0"/>
+              <a:t>이주은</a:t>
+            </a:r>
+            <a:endParaRPr lang="en-US" altLang="ko-KR" b="1" dirty="0"/>
+          </a:p>
+          <a:p>
+            <a:endParaRPr lang="en-US" altLang="ko-KR" b="1" dirty="0"/>
+          </a:p>
+          <a:p>
+            <a:r>
+              <a:rPr lang="ko-KR" altLang="en-US" b="1" dirty="0"/>
+              <a:t>유저 서비스</a:t>
+            </a:r>
+            <a:endParaRPr lang="en-US" altLang="ko-KR" b="1" dirty="0"/>
+          </a:p>
+          <a:p>
+            <a:endParaRPr lang="en-US" altLang="ko-KR" b="1" dirty="0"/>
+          </a:p>
+          <a:p>
+            <a:r>
+              <a:rPr lang="ko-KR" altLang="en-US" b="1" dirty="0"/>
+              <a:t>프로젝트 총책임</a:t>
+            </a:r>
+            <a:r>
+              <a:rPr lang="en-US" altLang="ko-KR" b="1" dirty="0"/>
+              <a:t>, </a:t>
+            </a:r>
+            <a:r>
+              <a:rPr lang="ko-KR" altLang="en-US" b="1" dirty="0"/>
+              <a:t>개발</a:t>
+            </a:r>
+            <a:endParaRPr lang="en-US" altLang="ko-KR" b="1" dirty="0"/>
+          </a:p>
+          <a:p>
+            <a:r>
+              <a:rPr lang="ko-KR" altLang="en-US" b="1" dirty="0" err="1"/>
+              <a:t>프론트엔드</a:t>
+            </a:r>
+            <a:r>
+              <a:rPr lang="en-US" altLang="ko-KR" b="1" dirty="0"/>
+              <a:t>, </a:t>
+            </a:r>
+            <a:r>
+              <a:rPr lang="ko-KR" altLang="en-US" b="1" dirty="0" err="1"/>
+              <a:t>백엔드</a:t>
+            </a:r>
+            <a:endParaRPr lang="en-US" altLang="ko-KR" b="1" dirty="0"/>
+          </a:p>
+          <a:p>
+            <a:r>
+              <a:rPr lang="en-US" altLang="ko-KR" b="1" dirty="0"/>
+              <a:t>UI </a:t>
+            </a:r>
+            <a:r>
+              <a:rPr lang="ko-KR" altLang="en-US" b="1" dirty="0"/>
+              <a:t>디자인</a:t>
+            </a:r>
+          </a:p>
+        </p:txBody>
+      </p:sp>
+      <p:sp>
+        <p:nvSpPr>
+          <p:cNvPr id="8" name="TextBox 7">
+            <a:extLst>
+              <a:ext uri="{FF2B5EF4-FFF2-40B4-BE49-F238E27FC236}">
+                <a16:creationId xmlns:a16="http://schemas.microsoft.com/office/drawing/2014/main" id="{F954FF2E-406A-4F01-8E41-9F05FA561636}"/>
+              </a:ext>
+            </a:extLst>
+          </p:cNvPr>
+          <p:cNvSpPr txBox="1"/>
+          <p:nvPr/>
+        </p:nvSpPr>
+        <p:spPr>
+          <a:xfrm>
+            <a:off x="5206147" y="3307803"/>
+            <a:ext cx="2246128" cy="2585323"/>
+          </a:xfrm>
+          <a:prstGeom prst="rect">
+            <a:avLst/>
+          </a:prstGeom>
+          <a:noFill/>
+        </p:spPr>
+        <p:txBody>
+          <a:bodyPr wrap="none" rtlCol="0">
+            <a:spAutoFit/>
+          </a:bodyPr>
+          <a:lstStyle/>
+          <a:p>
+            <a:r>
+              <a:rPr lang="en-US" altLang="ko-KR" b="1" dirty="0"/>
+              <a:t>Lead Engineer</a:t>
+            </a:r>
+          </a:p>
+          <a:p>
+            <a:endParaRPr lang="en-US" altLang="ko-KR" b="1" dirty="0"/>
+          </a:p>
+          <a:p>
+            <a:r>
+              <a:rPr lang="ko-KR" altLang="en-US" b="1" dirty="0" err="1"/>
+              <a:t>명재윤</a:t>
+            </a:r>
+            <a:endParaRPr lang="en-US" altLang="ko-KR" b="1" dirty="0"/>
+          </a:p>
+          <a:p>
+            <a:endParaRPr lang="en-US" altLang="ko-KR" b="1" dirty="0"/>
+          </a:p>
+          <a:p>
+            <a:r>
+              <a:rPr lang="ko-KR" altLang="en-US" b="1" dirty="0"/>
+              <a:t>비즈니스 서비스</a:t>
+            </a:r>
+            <a:endParaRPr lang="en-US" altLang="ko-KR" b="1" dirty="0"/>
+          </a:p>
+          <a:p>
+            <a:endParaRPr lang="en-US" altLang="ko-KR" b="1" dirty="0"/>
+          </a:p>
+          <a:p>
+            <a:r>
+              <a:rPr lang="ko-KR" altLang="en-US" b="1" dirty="0"/>
+              <a:t>프로젝트 설계</a:t>
+            </a:r>
+            <a:r>
+              <a:rPr lang="en-US" altLang="ko-KR" b="1" dirty="0"/>
+              <a:t>,</a:t>
+            </a:r>
+            <a:r>
+              <a:rPr lang="ko-KR" altLang="en-US" b="1" dirty="0"/>
+              <a:t> 개발</a:t>
+            </a:r>
+            <a:endParaRPr lang="en-US" altLang="ko-KR" b="1" dirty="0"/>
+          </a:p>
+          <a:p>
+            <a:r>
+              <a:rPr lang="ko-KR" altLang="en-US" b="1" dirty="0" err="1"/>
+              <a:t>프론트엔드</a:t>
+            </a:r>
+            <a:r>
+              <a:rPr lang="en-US" altLang="ko-KR" b="1" dirty="0"/>
+              <a:t>, </a:t>
+            </a:r>
+            <a:r>
+              <a:rPr lang="ko-KR" altLang="en-US" b="1" dirty="0" err="1"/>
+              <a:t>백엔드</a:t>
+            </a:r>
+            <a:endParaRPr lang="en-US" altLang="ko-KR" b="1" dirty="0"/>
+          </a:p>
+          <a:p>
+            <a:r>
+              <a:rPr lang="ko-KR" altLang="en-US" b="1" dirty="0"/>
+              <a:t>소스코드 형상관리</a:t>
+            </a:r>
+            <a:endParaRPr lang="en-US" altLang="ko-KR" b="1" dirty="0"/>
+          </a:p>
+        </p:txBody>
+      </p:sp>
+      <p:sp>
+        <p:nvSpPr>
+          <p:cNvPr id="9" name="TextBox 8">
+            <a:extLst>
+              <a:ext uri="{FF2B5EF4-FFF2-40B4-BE49-F238E27FC236}">
+                <a16:creationId xmlns:a16="http://schemas.microsoft.com/office/drawing/2014/main" id="{5A0B6983-1B7E-40A0-AF2E-5B01DB4A6FFD}"/>
+              </a:ext>
+            </a:extLst>
+          </p:cNvPr>
+          <p:cNvSpPr txBox="1"/>
+          <p:nvPr/>
+        </p:nvSpPr>
+        <p:spPr>
+          <a:xfrm>
+            <a:off x="9031729" y="3307803"/>
+            <a:ext cx="2246128" cy="2585323"/>
+          </a:xfrm>
+          <a:prstGeom prst="rect">
+            <a:avLst/>
+          </a:prstGeom>
+          <a:noFill/>
+        </p:spPr>
+        <p:txBody>
+          <a:bodyPr wrap="none" rtlCol="0">
+            <a:spAutoFit/>
+          </a:bodyPr>
+          <a:lstStyle/>
+          <a:p>
+            <a:r>
+              <a:rPr lang="en-US" altLang="ko-KR" b="1" dirty="0"/>
+              <a:t>Developer</a:t>
+            </a:r>
+          </a:p>
+          <a:p>
+            <a:endParaRPr lang="en-US" altLang="ko-KR" b="1" dirty="0"/>
+          </a:p>
+          <a:p>
+            <a:r>
+              <a:rPr lang="ko-KR" altLang="en-US" b="1" dirty="0"/>
+              <a:t>김준호</a:t>
+            </a:r>
+            <a:endParaRPr lang="en-US" altLang="ko-KR" b="1" dirty="0"/>
+          </a:p>
+          <a:p>
+            <a:endParaRPr lang="en-US" altLang="ko-KR" b="1" dirty="0"/>
+          </a:p>
+          <a:p>
+            <a:r>
+              <a:rPr lang="ko-KR" altLang="en-US" b="1" dirty="0" err="1"/>
+              <a:t>어드민</a:t>
+            </a:r>
+            <a:r>
+              <a:rPr lang="ko-KR" altLang="en-US" b="1" dirty="0"/>
+              <a:t> 서비스</a:t>
+            </a:r>
+            <a:endParaRPr lang="en-US" altLang="ko-KR" b="1" dirty="0"/>
+          </a:p>
+          <a:p>
+            <a:endParaRPr lang="en-US" altLang="ko-KR" b="1" dirty="0"/>
+          </a:p>
+          <a:p>
+            <a:r>
+              <a:rPr lang="ko-KR" altLang="en-US" b="1" dirty="0"/>
+              <a:t>프로젝트 기획</a:t>
+            </a:r>
+            <a:r>
+              <a:rPr lang="en-US" altLang="ko-KR" b="1" dirty="0"/>
+              <a:t>,</a:t>
+            </a:r>
+            <a:r>
+              <a:rPr lang="ko-KR" altLang="en-US" b="1" dirty="0"/>
+              <a:t> 개발</a:t>
+            </a:r>
+            <a:endParaRPr lang="en-US" altLang="ko-KR" b="1" dirty="0"/>
+          </a:p>
+          <a:p>
+            <a:r>
+              <a:rPr lang="ko-KR" altLang="en-US" b="1" dirty="0" err="1"/>
+              <a:t>프론트엔드</a:t>
+            </a:r>
+            <a:r>
+              <a:rPr lang="en-US" altLang="ko-KR" b="1" dirty="0"/>
+              <a:t>, </a:t>
+            </a:r>
+            <a:r>
+              <a:rPr lang="ko-KR" altLang="en-US" b="1" dirty="0" err="1"/>
+              <a:t>백엔드</a:t>
+            </a:r>
+            <a:endParaRPr lang="ko-KR" altLang="en-US" b="1" dirty="0"/>
+          </a:p>
+          <a:p>
+            <a:r>
+              <a:rPr lang="ko-KR" altLang="en-US" b="1" dirty="0"/>
+              <a:t>산출물 정리</a:t>
+            </a:r>
+          </a:p>
+        </p:txBody>
+      </p:sp>
+    </p:spTree>
+    <p:extLst>
+      <p:ext uri="{BB962C8B-B14F-4D97-AF65-F5344CB8AC3E}">
+        <p14:creationId xmlns:p14="http://schemas.microsoft.com/office/powerpoint/2010/main" val="100097167"/>
       </p:ext>
     </p:extLst>
   </p:cSld>

--- a/9-project/1. 프로젝트 기획/주간 커-피 (초안).pptx
+++ b/9-project/1. 프로젝트 기획/주간 커-피 (초안).pptx
@@ -11998,7 +11998,7 @@
         </p:blipFill>
         <p:spPr>
           <a:xfrm>
-            <a:off x="612502" y="1484946"/>
+            <a:off x="492909" y="1411968"/>
             <a:ext cx="7693298" cy="4941254"/>
           </a:xfrm>
           <a:prstGeom prst="rect">
@@ -12017,7 +12017,7 @@
         </p:nvSpPr>
         <p:spPr>
           <a:xfrm>
-            <a:off x="6507480" y="431800"/>
+            <a:off x="8590804" y="347003"/>
             <a:ext cx="2924810" cy="1477645"/>
           </a:xfrm>
           <a:prstGeom prst="rect">
@@ -12037,16 +12037,266 @@
           <a:p>
             <a:pPr marL="0" indent="0" algn="l" hangingPunct="1"/>
             <a:r>
-              <a:rPr sz="1800">
+              <a:rPr sz="1800" dirty="0" err="1">
                 <a:solidFill>
                   <a:srgbClr val="403726"/>
                 </a:solidFill>
                 <a:latin typeface="나눔고딕" charset="0"/>
                 <a:ea typeface="나눔고딕" charset="0"/>
               </a:rPr>
-              <a:t>소비자와 판매자를 이어주는양면사업 서비스 라는 공통점을 가지고 배달의 민족의 서비스 모델을 참고 하였습니다.</a:t>
-            </a:r>
-            <a:endParaRPr lang="ko-KR" altLang="en-US" sz="1800">
+              <a:t>소비자와</a:t>
+            </a:r>
+            <a:r>
+              <a:rPr sz="1800" dirty="0">
+                <a:solidFill>
+                  <a:srgbClr val="403726"/>
+                </a:solidFill>
+                <a:latin typeface="나눔고딕" charset="0"/>
+                <a:ea typeface="나눔고딕" charset="0"/>
+              </a:rPr>
+              <a:t> </a:t>
+            </a:r>
+            <a:r>
+              <a:rPr sz="1800" dirty="0" err="1">
+                <a:solidFill>
+                  <a:srgbClr val="403726"/>
+                </a:solidFill>
+                <a:latin typeface="나눔고딕" charset="0"/>
+                <a:ea typeface="나눔고딕" charset="0"/>
+              </a:rPr>
+              <a:t>판매자를</a:t>
+            </a:r>
+            <a:r>
+              <a:rPr sz="1800" dirty="0">
+                <a:solidFill>
+                  <a:srgbClr val="403726"/>
+                </a:solidFill>
+                <a:latin typeface="나눔고딕" charset="0"/>
+                <a:ea typeface="나눔고딕" charset="0"/>
+              </a:rPr>
+              <a:t> </a:t>
+            </a:r>
+            <a:r>
+              <a:rPr sz="1800" dirty="0" err="1">
+                <a:solidFill>
+                  <a:srgbClr val="403726"/>
+                </a:solidFill>
+                <a:latin typeface="나눔고딕" charset="0"/>
+                <a:ea typeface="나눔고딕" charset="0"/>
+              </a:rPr>
+              <a:t>이어주는양면사업</a:t>
+            </a:r>
+            <a:r>
+              <a:rPr sz="1800" dirty="0">
+                <a:solidFill>
+                  <a:srgbClr val="403726"/>
+                </a:solidFill>
+                <a:latin typeface="나눔고딕" charset="0"/>
+                <a:ea typeface="나눔고딕" charset="0"/>
+              </a:rPr>
+              <a:t> </a:t>
+            </a:r>
+            <a:r>
+              <a:rPr sz="1800" dirty="0" err="1">
+                <a:solidFill>
+                  <a:srgbClr val="403726"/>
+                </a:solidFill>
+                <a:latin typeface="나눔고딕" charset="0"/>
+                <a:ea typeface="나눔고딕" charset="0"/>
+              </a:rPr>
+              <a:t>서비스</a:t>
+            </a:r>
+            <a:r>
+              <a:rPr sz="1800" dirty="0">
+                <a:solidFill>
+                  <a:srgbClr val="403726"/>
+                </a:solidFill>
+                <a:latin typeface="나눔고딕" charset="0"/>
+                <a:ea typeface="나눔고딕" charset="0"/>
+              </a:rPr>
+              <a:t> </a:t>
+            </a:r>
+            <a:r>
+              <a:rPr sz="1800" dirty="0" err="1">
+                <a:solidFill>
+                  <a:srgbClr val="403726"/>
+                </a:solidFill>
+                <a:latin typeface="나눔고딕" charset="0"/>
+                <a:ea typeface="나눔고딕" charset="0"/>
+              </a:rPr>
+              <a:t>라는</a:t>
+            </a:r>
+            <a:r>
+              <a:rPr sz="1800" dirty="0">
+                <a:solidFill>
+                  <a:srgbClr val="403726"/>
+                </a:solidFill>
+                <a:latin typeface="나눔고딕" charset="0"/>
+                <a:ea typeface="나눔고딕" charset="0"/>
+              </a:rPr>
+              <a:t> </a:t>
+            </a:r>
+            <a:r>
+              <a:rPr sz="1800" dirty="0" err="1">
+                <a:solidFill>
+                  <a:srgbClr val="403726"/>
+                </a:solidFill>
+                <a:latin typeface="나눔고딕" charset="0"/>
+                <a:ea typeface="나눔고딕" charset="0"/>
+              </a:rPr>
+              <a:t>공통점을</a:t>
+            </a:r>
+            <a:r>
+              <a:rPr sz="1800" dirty="0">
+                <a:solidFill>
+                  <a:srgbClr val="403726"/>
+                </a:solidFill>
+                <a:latin typeface="나눔고딕" charset="0"/>
+                <a:ea typeface="나눔고딕" charset="0"/>
+              </a:rPr>
+              <a:t> </a:t>
+            </a:r>
+            <a:r>
+              <a:rPr sz="1800" dirty="0" err="1">
+                <a:solidFill>
+                  <a:srgbClr val="403726"/>
+                </a:solidFill>
+                <a:latin typeface="나눔고딕" charset="0"/>
+                <a:ea typeface="나눔고딕" charset="0"/>
+              </a:rPr>
+              <a:t>가지고</a:t>
+            </a:r>
+            <a:r>
+              <a:rPr sz="1800" dirty="0">
+                <a:solidFill>
+                  <a:srgbClr val="403726"/>
+                </a:solidFill>
+                <a:latin typeface="나눔고딕" charset="0"/>
+                <a:ea typeface="나눔고딕" charset="0"/>
+              </a:rPr>
+              <a:t> </a:t>
+            </a:r>
+            <a:r>
+              <a:rPr sz="1800" dirty="0" err="1">
+                <a:solidFill>
+                  <a:srgbClr val="403726"/>
+                </a:solidFill>
+                <a:latin typeface="나눔고딕" charset="0"/>
+                <a:ea typeface="나눔고딕" charset="0"/>
+              </a:rPr>
+              <a:t>배달의</a:t>
+            </a:r>
+            <a:r>
+              <a:rPr sz="1800" dirty="0">
+                <a:solidFill>
+                  <a:srgbClr val="403726"/>
+                </a:solidFill>
+                <a:latin typeface="나눔고딕" charset="0"/>
+                <a:ea typeface="나눔고딕" charset="0"/>
+              </a:rPr>
+              <a:t> </a:t>
+            </a:r>
+            <a:r>
+              <a:rPr sz="1800" dirty="0" err="1">
+                <a:solidFill>
+                  <a:srgbClr val="403726"/>
+                </a:solidFill>
+                <a:latin typeface="나눔고딕" charset="0"/>
+                <a:ea typeface="나눔고딕" charset="0"/>
+              </a:rPr>
+              <a:t>민족의</a:t>
+            </a:r>
+            <a:r>
+              <a:rPr sz="1800" dirty="0">
+                <a:solidFill>
+                  <a:srgbClr val="403726"/>
+                </a:solidFill>
+                <a:latin typeface="나눔고딕" charset="0"/>
+                <a:ea typeface="나눔고딕" charset="0"/>
+              </a:rPr>
+              <a:t> </a:t>
+            </a:r>
+            <a:r>
+              <a:rPr sz="1800" dirty="0" err="1">
+                <a:solidFill>
+                  <a:srgbClr val="403726"/>
+                </a:solidFill>
+                <a:latin typeface="나눔고딕" charset="0"/>
+                <a:ea typeface="나눔고딕" charset="0"/>
+              </a:rPr>
+              <a:t>서비스</a:t>
+            </a:r>
+            <a:r>
+              <a:rPr sz="1800" dirty="0">
+                <a:solidFill>
+                  <a:srgbClr val="403726"/>
+                </a:solidFill>
+                <a:latin typeface="나눔고딕" charset="0"/>
+                <a:ea typeface="나눔고딕" charset="0"/>
+              </a:rPr>
+              <a:t> </a:t>
+            </a:r>
+            <a:r>
+              <a:rPr sz="1800" dirty="0" err="1">
+                <a:solidFill>
+                  <a:srgbClr val="403726"/>
+                </a:solidFill>
+                <a:latin typeface="나눔고딕" charset="0"/>
+                <a:ea typeface="나눔고딕" charset="0"/>
+              </a:rPr>
+              <a:t>모델을</a:t>
+            </a:r>
+            <a:r>
+              <a:rPr sz="1800" dirty="0">
+                <a:solidFill>
+                  <a:srgbClr val="403726"/>
+                </a:solidFill>
+                <a:latin typeface="나눔고딕" charset="0"/>
+                <a:ea typeface="나눔고딕" charset="0"/>
+              </a:rPr>
+              <a:t> </a:t>
+            </a:r>
+            <a:r>
+              <a:rPr sz="1800" dirty="0" err="1">
+                <a:solidFill>
+                  <a:srgbClr val="403726"/>
+                </a:solidFill>
+                <a:latin typeface="나눔고딕" charset="0"/>
+                <a:ea typeface="나눔고딕" charset="0"/>
+              </a:rPr>
+              <a:t>참고</a:t>
+            </a:r>
+            <a:r>
+              <a:rPr sz="1800" dirty="0">
+                <a:solidFill>
+                  <a:srgbClr val="403726"/>
+                </a:solidFill>
+                <a:latin typeface="나눔고딕" charset="0"/>
+                <a:ea typeface="나눔고딕" charset="0"/>
+              </a:rPr>
+              <a:t> </a:t>
+            </a:r>
+            <a:r>
+              <a:rPr sz="1800" dirty="0" err="1">
+                <a:solidFill>
+                  <a:srgbClr val="403726"/>
+                </a:solidFill>
+                <a:latin typeface="나눔고딕" charset="0"/>
+                <a:ea typeface="나눔고딕" charset="0"/>
+              </a:rPr>
+              <a:t>하였습니다</a:t>
+            </a:r>
+            <a:r>
+              <a:rPr sz="1800" dirty="0">
+                <a:solidFill>
+                  <a:srgbClr val="403726"/>
+                </a:solidFill>
+                <a:latin typeface="나눔고딕" charset="0"/>
+                <a:ea typeface="나눔고딕" charset="0"/>
+              </a:rPr>
+              <a:t>.</a:t>
+            </a:r>
+            <a:endParaRPr lang="ko-KR" altLang="en-US" sz="1800" dirty="0">
               <a:solidFill>
                 <a:srgbClr val="403726"/>
               </a:solidFill>
@@ -12078,7 +12328,7 @@
         </p:blipFill>
         <p:spPr>
           <a:xfrm>
-            <a:off x="4912509" y="2017017"/>
+            <a:off x="4912509" y="1926742"/>
             <a:ext cx="6786582" cy="4409183"/>
           </a:xfrm>
           <a:prstGeom prst="rect">
@@ -12170,8 +12420,45 @@
                 <a:latin typeface="양진체 " charset="0"/>
                 <a:ea typeface="양진체 " charset="0"/>
               </a:rPr>
-              <a:t>서비스 모델</a:t>
-            </a:r>
+              <a:t>서비스 모델  </a:t>
+            </a:r>
+            <a:r>
+              <a:rPr lang="en-US" altLang="ko-KR" sz="4000" dirty="0">
+                <a:solidFill>
+                  <a:srgbClr val="403726"/>
+                </a:solidFill>
+                <a:latin typeface="양진체 " charset="0"/>
+                <a:ea typeface="양진체 " charset="0"/>
+              </a:rPr>
+              <a:t>[</a:t>
+            </a:r>
+            <a:r>
+              <a:rPr lang="ko-KR" altLang="en-US" sz="4000" dirty="0">
+                <a:solidFill>
+                  <a:srgbClr val="403726"/>
+                </a:solidFill>
+                <a:latin typeface="양진체 " charset="0"/>
+                <a:ea typeface="양진체 " charset="0"/>
+              </a:rPr>
+              <a:t>배달의 민족</a:t>
+            </a:r>
+            <a:r>
+              <a:rPr lang="en-US" altLang="ko-KR" sz="4000" dirty="0">
+                <a:solidFill>
+                  <a:srgbClr val="403726"/>
+                </a:solidFill>
+                <a:latin typeface="양진체 " charset="0"/>
+                <a:ea typeface="양진체 " charset="0"/>
+              </a:rPr>
+              <a:t>]</a:t>
+            </a:r>
+            <a:endParaRPr lang="ko-KR" altLang="en-US" sz="4000" dirty="0">
+              <a:solidFill>
+                <a:srgbClr val="403726"/>
+              </a:solidFill>
+              <a:latin typeface="양진체 " charset="0"/>
+              <a:ea typeface="양진체 " charset="0"/>
+            </a:endParaRPr>
           </a:p>
         </p:txBody>
       </p:sp>
@@ -35096,8 +35383,45 @@
                 <a:latin typeface="양진체 " charset="0"/>
                 <a:ea typeface="양진체 " charset="0"/>
               </a:rPr>
-              <a:t>비즈니스 모델</a:t>
-            </a:r>
+              <a:t>비즈니스 모델  </a:t>
+            </a:r>
+            <a:r>
+              <a:rPr lang="en-US" altLang="ko-KR" sz="4000" dirty="0">
+                <a:solidFill>
+                  <a:srgbClr val="403726"/>
+                </a:solidFill>
+                <a:latin typeface="양진체 " charset="0"/>
+                <a:ea typeface="양진체 " charset="0"/>
+              </a:rPr>
+              <a:t>[</a:t>
+            </a:r>
+            <a:r>
+              <a:rPr lang="ko-KR" altLang="en-US" sz="4000" dirty="0" err="1">
+                <a:solidFill>
+                  <a:srgbClr val="403726"/>
+                </a:solidFill>
+                <a:latin typeface="양진체 " charset="0"/>
+                <a:ea typeface="양진체 " charset="0"/>
+              </a:rPr>
+              <a:t>프릴츠</a:t>
+            </a:r>
+            <a:r>
+              <a:rPr lang="en-US" altLang="ko-KR" sz="4000" dirty="0">
+                <a:solidFill>
+                  <a:srgbClr val="403726"/>
+                </a:solidFill>
+                <a:latin typeface="양진체 " charset="0"/>
+                <a:ea typeface="양진체 " charset="0"/>
+              </a:rPr>
+              <a:t>]</a:t>
+            </a:r>
+            <a:endParaRPr lang="ko-KR" altLang="en-US" sz="4000" dirty="0">
+              <a:solidFill>
+                <a:srgbClr val="403726"/>
+              </a:solidFill>
+              <a:latin typeface="양진체 " charset="0"/>
+              <a:ea typeface="양진체 " charset="0"/>
+            </a:endParaRPr>
           </a:p>
         </p:txBody>
       </p:sp>
@@ -36059,7 +36383,7 @@
         </p:nvSpPr>
         <p:spPr>
           <a:xfrm>
-            <a:off x="6507480" y="431800"/>
+            <a:off x="8654688" y="505350"/>
             <a:ext cx="2924810" cy="1477645"/>
           </a:xfrm>
           <a:prstGeom prst="rect">
@@ -36079,16 +36403,266 @@
           <a:p>
             <a:pPr marL="0" indent="0" algn="l" hangingPunct="1"/>
             <a:r>
-              <a:rPr sz="1800">
+              <a:rPr sz="1800" dirty="0" err="1">
                 <a:solidFill>
                   <a:srgbClr val="403726"/>
                 </a:solidFill>
                 <a:latin typeface="나눔고딕" charset="0"/>
                 <a:ea typeface="나눔고딕" charset="0"/>
               </a:rPr>
-              <a:t>소비자와 판매자를 이어주는양면사업 서비스 라는 공통점을 가지고 배달의 민족의 서비스 모델을 참고 하였습니다.</a:t>
-            </a:r>
-            <a:endParaRPr lang="ko-KR" altLang="en-US" sz="1800">
+              <a:t>소비자와</a:t>
+            </a:r>
+            <a:r>
+              <a:rPr sz="1800" dirty="0">
+                <a:solidFill>
+                  <a:srgbClr val="403726"/>
+                </a:solidFill>
+                <a:latin typeface="나눔고딕" charset="0"/>
+                <a:ea typeface="나눔고딕" charset="0"/>
+              </a:rPr>
+              <a:t> </a:t>
+            </a:r>
+            <a:r>
+              <a:rPr sz="1800" dirty="0" err="1">
+                <a:solidFill>
+                  <a:srgbClr val="403726"/>
+                </a:solidFill>
+                <a:latin typeface="나눔고딕" charset="0"/>
+                <a:ea typeface="나눔고딕" charset="0"/>
+              </a:rPr>
+              <a:t>판매자를</a:t>
+            </a:r>
+            <a:r>
+              <a:rPr sz="1800" dirty="0">
+                <a:solidFill>
+                  <a:srgbClr val="403726"/>
+                </a:solidFill>
+                <a:latin typeface="나눔고딕" charset="0"/>
+                <a:ea typeface="나눔고딕" charset="0"/>
+              </a:rPr>
+              <a:t> </a:t>
+            </a:r>
+            <a:r>
+              <a:rPr sz="1800" dirty="0" err="1">
+                <a:solidFill>
+                  <a:srgbClr val="403726"/>
+                </a:solidFill>
+                <a:latin typeface="나눔고딕" charset="0"/>
+                <a:ea typeface="나눔고딕" charset="0"/>
+              </a:rPr>
+              <a:t>이어주는양면사업</a:t>
+            </a:r>
+            <a:r>
+              <a:rPr sz="1800" dirty="0">
+                <a:solidFill>
+                  <a:srgbClr val="403726"/>
+                </a:solidFill>
+                <a:latin typeface="나눔고딕" charset="0"/>
+                <a:ea typeface="나눔고딕" charset="0"/>
+              </a:rPr>
+              <a:t> </a:t>
+            </a:r>
+            <a:r>
+              <a:rPr sz="1800" dirty="0" err="1">
+                <a:solidFill>
+                  <a:srgbClr val="403726"/>
+                </a:solidFill>
+                <a:latin typeface="나눔고딕" charset="0"/>
+                <a:ea typeface="나눔고딕" charset="0"/>
+              </a:rPr>
+              <a:t>서비스</a:t>
+            </a:r>
+            <a:r>
+              <a:rPr sz="1800" dirty="0">
+                <a:solidFill>
+                  <a:srgbClr val="403726"/>
+                </a:solidFill>
+                <a:latin typeface="나눔고딕" charset="0"/>
+                <a:ea typeface="나눔고딕" charset="0"/>
+              </a:rPr>
+              <a:t> </a:t>
+            </a:r>
+            <a:r>
+              <a:rPr sz="1800" dirty="0" err="1">
+                <a:solidFill>
+                  <a:srgbClr val="403726"/>
+                </a:solidFill>
+                <a:latin typeface="나눔고딕" charset="0"/>
+                <a:ea typeface="나눔고딕" charset="0"/>
+              </a:rPr>
+              <a:t>라는</a:t>
+            </a:r>
+            <a:r>
+              <a:rPr sz="1800" dirty="0">
+                <a:solidFill>
+                  <a:srgbClr val="403726"/>
+                </a:solidFill>
+                <a:latin typeface="나눔고딕" charset="0"/>
+                <a:ea typeface="나눔고딕" charset="0"/>
+              </a:rPr>
+              <a:t> </a:t>
+            </a:r>
+            <a:r>
+              <a:rPr sz="1800" dirty="0" err="1">
+                <a:solidFill>
+                  <a:srgbClr val="403726"/>
+                </a:solidFill>
+                <a:latin typeface="나눔고딕" charset="0"/>
+                <a:ea typeface="나눔고딕" charset="0"/>
+              </a:rPr>
+              <a:t>공통점을</a:t>
+            </a:r>
+            <a:r>
+              <a:rPr sz="1800" dirty="0">
+                <a:solidFill>
+                  <a:srgbClr val="403726"/>
+                </a:solidFill>
+                <a:latin typeface="나눔고딕" charset="0"/>
+                <a:ea typeface="나눔고딕" charset="0"/>
+              </a:rPr>
+              <a:t> </a:t>
+            </a:r>
+            <a:r>
+              <a:rPr sz="1800" dirty="0" err="1">
+                <a:solidFill>
+                  <a:srgbClr val="403726"/>
+                </a:solidFill>
+                <a:latin typeface="나눔고딕" charset="0"/>
+                <a:ea typeface="나눔고딕" charset="0"/>
+              </a:rPr>
+              <a:t>가지고</a:t>
+            </a:r>
+            <a:r>
+              <a:rPr sz="1800" dirty="0">
+                <a:solidFill>
+                  <a:srgbClr val="403726"/>
+                </a:solidFill>
+                <a:latin typeface="나눔고딕" charset="0"/>
+                <a:ea typeface="나눔고딕" charset="0"/>
+              </a:rPr>
+              <a:t> </a:t>
+            </a:r>
+            <a:r>
+              <a:rPr sz="1800" dirty="0" err="1">
+                <a:solidFill>
+                  <a:srgbClr val="403726"/>
+                </a:solidFill>
+                <a:latin typeface="나눔고딕" charset="0"/>
+                <a:ea typeface="나눔고딕" charset="0"/>
+              </a:rPr>
+              <a:t>배달의</a:t>
+            </a:r>
+            <a:r>
+              <a:rPr sz="1800" dirty="0">
+                <a:solidFill>
+                  <a:srgbClr val="403726"/>
+                </a:solidFill>
+                <a:latin typeface="나눔고딕" charset="0"/>
+                <a:ea typeface="나눔고딕" charset="0"/>
+              </a:rPr>
+              <a:t> </a:t>
+            </a:r>
+            <a:r>
+              <a:rPr sz="1800" dirty="0" err="1">
+                <a:solidFill>
+                  <a:srgbClr val="403726"/>
+                </a:solidFill>
+                <a:latin typeface="나눔고딕" charset="0"/>
+                <a:ea typeface="나눔고딕" charset="0"/>
+              </a:rPr>
+              <a:t>민족의</a:t>
+            </a:r>
+            <a:r>
+              <a:rPr sz="1800" dirty="0">
+                <a:solidFill>
+                  <a:srgbClr val="403726"/>
+                </a:solidFill>
+                <a:latin typeface="나눔고딕" charset="0"/>
+                <a:ea typeface="나눔고딕" charset="0"/>
+              </a:rPr>
+              <a:t> </a:t>
+            </a:r>
+            <a:r>
+              <a:rPr sz="1800" dirty="0" err="1">
+                <a:solidFill>
+                  <a:srgbClr val="403726"/>
+                </a:solidFill>
+                <a:latin typeface="나눔고딕" charset="0"/>
+                <a:ea typeface="나눔고딕" charset="0"/>
+              </a:rPr>
+              <a:t>서비스</a:t>
+            </a:r>
+            <a:r>
+              <a:rPr sz="1800" dirty="0">
+                <a:solidFill>
+                  <a:srgbClr val="403726"/>
+                </a:solidFill>
+                <a:latin typeface="나눔고딕" charset="0"/>
+                <a:ea typeface="나눔고딕" charset="0"/>
+              </a:rPr>
+              <a:t> </a:t>
+            </a:r>
+            <a:r>
+              <a:rPr sz="1800" dirty="0" err="1">
+                <a:solidFill>
+                  <a:srgbClr val="403726"/>
+                </a:solidFill>
+                <a:latin typeface="나눔고딕" charset="0"/>
+                <a:ea typeface="나눔고딕" charset="0"/>
+              </a:rPr>
+              <a:t>모델을</a:t>
+            </a:r>
+            <a:r>
+              <a:rPr sz="1800" dirty="0">
+                <a:solidFill>
+                  <a:srgbClr val="403726"/>
+                </a:solidFill>
+                <a:latin typeface="나눔고딕" charset="0"/>
+                <a:ea typeface="나눔고딕" charset="0"/>
+              </a:rPr>
+              <a:t> </a:t>
+            </a:r>
+            <a:r>
+              <a:rPr sz="1800" dirty="0" err="1">
+                <a:solidFill>
+                  <a:srgbClr val="403726"/>
+                </a:solidFill>
+                <a:latin typeface="나눔고딕" charset="0"/>
+                <a:ea typeface="나눔고딕" charset="0"/>
+              </a:rPr>
+              <a:t>참고</a:t>
+            </a:r>
+            <a:r>
+              <a:rPr sz="1800" dirty="0">
+                <a:solidFill>
+                  <a:srgbClr val="403726"/>
+                </a:solidFill>
+                <a:latin typeface="나눔고딕" charset="0"/>
+                <a:ea typeface="나눔고딕" charset="0"/>
+              </a:rPr>
+              <a:t> </a:t>
+            </a:r>
+            <a:r>
+              <a:rPr sz="1800" dirty="0" err="1">
+                <a:solidFill>
+                  <a:srgbClr val="403726"/>
+                </a:solidFill>
+                <a:latin typeface="나눔고딕" charset="0"/>
+                <a:ea typeface="나눔고딕" charset="0"/>
+              </a:rPr>
+              <a:t>하였습니다</a:t>
+            </a:r>
+            <a:r>
+              <a:rPr sz="1800" dirty="0">
+                <a:solidFill>
+                  <a:srgbClr val="403726"/>
+                </a:solidFill>
+                <a:latin typeface="나눔고딕" charset="0"/>
+                <a:ea typeface="나눔고딕" charset="0"/>
+              </a:rPr>
+              <a:t>.</a:t>
+            </a:r>
+            <a:endParaRPr lang="ko-KR" altLang="en-US" sz="1800" dirty="0">
               <a:solidFill>
                 <a:srgbClr val="403726"/>
               </a:solidFill>
@@ -36212,8 +36786,45 @@
                 <a:latin typeface="양진체 " charset="0"/>
                 <a:ea typeface="양진체 " charset="0"/>
               </a:rPr>
-              <a:t>서비스 모델</a:t>
-            </a:r>
+              <a:t>서비스 모델  </a:t>
+            </a:r>
+            <a:r>
+              <a:rPr lang="en-US" altLang="ko-KR" sz="4000" dirty="0">
+                <a:solidFill>
+                  <a:srgbClr val="403726"/>
+                </a:solidFill>
+                <a:latin typeface="양진체 " charset="0"/>
+                <a:ea typeface="양진체 " charset="0"/>
+              </a:rPr>
+              <a:t>[</a:t>
+            </a:r>
+            <a:r>
+              <a:rPr lang="ko-KR" altLang="en-US" sz="4000" dirty="0">
+                <a:solidFill>
+                  <a:srgbClr val="403726"/>
+                </a:solidFill>
+                <a:latin typeface="양진체 " charset="0"/>
+                <a:ea typeface="양진체 " charset="0"/>
+              </a:rPr>
+              <a:t>배달의 민족</a:t>
+            </a:r>
+            <a:r>
+              <a:rPr lang="en-US" altLang="ko-KR" sz="4000" dirty="0">
+                <a:solidFill>
+                  <a:srgbClr val="403726"/>
+                </a:solidFill>
+                <a:latin typeface="양진체 " charset="0"/>
+                <a:ea typeface="양진체 " charset="0"/>
+              </a:rPr>
+              <a:t>]</a:t>
+            </a:r>
+            <a:endParaRPr lang="ko-KR" altLang="en-US" sz="4000" dirty="0">
+              <a:solidFill>
+                <a:srgbClr val="403726"/>
+              </a:solidFill>
+              <a:latin typeface="양진체 " charset="0"/>
+              <a:ea typeface="양진체 " charset="0"/>
+            </a:endParaRPr>
           </a:p>
         </p:txBody>
       </p:sp>
